--- a/doc/architecture.pptx
+++ b/doc/architecture.pptx
@@ -3418,7 +3418,7 @@
               <a:schemeClr val="tx1"/>
             </a:solidFill>
             <a:prstDash val="solid"/>
-            <a:tailEnd type="triangle"/>
+            <a:tailEnd type="triangle" w="lg" len="lg"/>
           </a:ln>
         </p:spPr>
         <p:style>
@@ -3455,7 +3455,7 @@
               <a:schemeClr val="tx1"/>
             </a:solidFill>
             <a:prstDash val="solid"/>
-            <a:tailEnd type="triangle"/>
+            <a:tailEnd type="triangle" w="lg" len="lg"/>
           </a:ln>
         </p:spPr>
         <p:style>
@@ -3553,7 +3553,7 @@
               <a:schemeClr val="tx1"/>
             </a:solidFill>
             <a:prstDash val="solid"/>
-            <a:tailEnd type="triangle"/>
+            <a:tailEnd type="triangle" w="lg" len="lg"/>
           </a:ln>
         </p:spPr>
         <p:style>
@@ -4165,6 +4165,176 @@
           </a:p>
         </p:txBody>
       </p:sp>
+      <p:sp>
+        <p:nvSpPr>
+          <p:cNvPr id="37" name="Rectangle 36"/>
+          <p:cNvSpPr/>
+          <p:nvPr/>
+        </p:nvSpPr>
+        <p:spPr>
+          <a:xfrm>
+            <a:off x="1288973" y="1499391"/>
+            <a:ext cx="3844887" cy="396213"/>
+          </a:xfrm>
+          <a:prstGeom prst="rect">
+            <a:avLst/>
+          </a:prstGeom>
+          <a:noFill/>
+          <a:ln w="12700">
+            <a:solidFill>
+              <a:schemeClr val="tx1"/>
+            </a:solidFill>
+            <a:prstDash val="solid"/>
+          </a:ln>
+        </p:spPr>
+        <p:style>
+          <a:lnRef idx="2">
+            <a:schemeClr val="accent1">
+              <a:shade val="50000"/>
+            </a:schemeClr>
+          </a:lnRef>
+          <a:fillRef idx="1">
+            <a:schemeClr val="accent1"/>
+          </a:fillRef>
+          <a:effectRef idx="0">
+            <a:schemeClr val="accent1"/>
+          </a:effectRef>
+          <a:fontRef idx="minor">
+            <a:schemeClr val="lt1"/>
+          </a:fontRef>
+        </p:style>
+        <p:txBody>
+          <a:bodyPr rot="0" spcFirstLastPara="0" vertOverflow="overflow" horzOverflow="overflow" vert="horz" wrap="square" lIns="91440" tIns="45720" rIns="91440" bIns="45720" numCol="1" spcCol="0" rtlCol="0" fromWordArt="0" anchor="ctr" anchorCtr="0" forceAA="0" compatLnSpc="1">
+            <a:prstTxWarp prst="textNoShape">
+              <a:avLst/>
+            </a:prstTxWarp>
+            <a:noAutofit/>
+          </a:bodyPr>
+          <a:lstStyle/>
+          <a:p>
+            <a:pPr algn="ctr"/>
+            <a:r>
+              <a:rPr lang="en-US" smtClean="0">
+                <a:solidFill>
+                  <a:schemeClr val="tx1"/>
+                </a:solidFill>
+              </a:rPr>
+              <a:t>main.py</a:t>
+            </a:r>
+          </a:p>
+        </p:txBody>
+      </p:sp>
+      <p:cxnSp>
+        <p:nvCxnSpPr>
+          <p:cNvPr id="40" name="Straight Arrow Connector 39"/>
+          <p:cNvCxnSpPr/>
+          <p:nvPr/>
+        </p:nvCxnSpPr>
+        <p:spPr>
+          <a:xfrm>
+            <a:off x="4364734" y="1895604"/>
+            <a:ext cx="16815" cy="2058607"/>
+          </a:xfrm>
+          <a:prstGeom prst="straightConnector1">
+            <a:avLst/>
+          </a:prstGeom>
+          <a:ln w="12700">
+            <a:solidFill>
+              <a:schemeClr val="tx1"/>
+            </a:solidFill>
+            <a:prstDash val="solid"/>
+            <a:tailEnd type="triangle" w="lg" len="lg"/>
+          </a:ln>
+        </p:spPr>
+        <p:style>
+          <a:lnRef idx="1">
+            <a:schemeClr val="accent1"/>
+          </a:lnRef>
+          <a:fillRef idx="0">
+            <a:schemeClr val="accent1"/>
+          </a:fillRef>
+          <a:effectRef idx="0">
+            <a:schemeClr val="accent1"/>
+          </a:effectRef>
+          <a:fontRef idx="minor">
+            <a:schemeClr val="tx1"/>
+          </a:fontRef>
+        </p:style>
+      </p:cxnSp>
+      <p:cxnSp>
+        <p:nvCxnSpPr>
+          <p:cNvPr id="42" name="Straight Arrow Connector 41"/>
+          <p:cNvCxnSpPr/>
+          <p:nvPr/>
+        </p:nvCxnSpPr>
+        <p:spPr>
+          <a:xfrm>
+            <a:off x="1873973" y="1895603"/>
+            <a:ext cx="16815" cy="2058607"/>
+          </a:xfrm>
+          <a:prstGeom prst="straightConnector1">
+            <a:avLst/>
+          </a:prstGeom>
+          <a:ln w="12700">
+            <a:solidFill>
+              <a:schemeClr val="tx1"/>
+            </a:solidFill>
+            <a:prstDash val="solid"/>
+            <a:tailEnd type="triangle" w="lg" len="lg"/>
+          </a:ln>
+        </p:spPr>
+        <p:style>
+          <a:lnRef idx="1">
+            <a:schemeClr val="accent1"/>
+          </a:lnRef>
+          <a:fillRef idx="0">
+            <a:schemeClr val="accent1"/>
+          </a:fillRef>
+          <a:effectRef idx="0">
+            <a:schemeClr val="accent1"/>
+          </a:effectRef>
+          <a:fontRef idx="minor">
+            <a:schemeClr val="tx1"/>
+          </a:fontRef>
+        </p:style>
+      </p:cxnSp>
+      <p:cxnSp>
+        <p:nvCxnSpPr>
+          <p:cNvPr id="43" name="Straight Arrow Connector 42"/>
+          <p:cNvCxnSpPr/>
+          <p:nvPr/>
+        </p:nvCxnSpPr>
+        <p:spPr>
+          <a:xfrm>
+            <a:off x="3077428" y="1910202"/>
+            <a:ext cx="11019" cy="833740"/>
+          </a:xfrm>
+          <a:prstGeom prst="straightConnector1">
+            <a:avLst/>
+          </a:prstGeom>
+          <a:ln w="12700">
+            <a:solidFill>
+              <a:schemeClr val="tx1"/>
+            </a:solidFill>
+            <a:prstDash val="solid"/>
+            <a:tailEnd type="triangle" w="lg" len="lg"/>
+          </a:ln>
+        </p:spPr>
+        <p:style>
+          <a:lnRef idx="1">
+            <a:schemeClr val="accent1"/>
+          </a:lnRef>
+          <a:fillRef idx="0">
+            <a:schemeClr val="accent1"/>
+          </a:fillRef>
+          <a:effectRef idx="0">
+            <a:schemeClr val="accent1"/>
+          </a:effectRef>
+          <a:fontRef idx="minor">
+            <a:schemeClr val="tx1"/>
+          </a:fontRef>
+        </p:style>
+      </p:cxnSp>
     </p:spTree>
     <p:extLst>
       <p:ext uri="{BB962C8B-B14F-4D97-AF65-F5344CB8AC3E}">
@@ -4501,7 +4671,7 @@
             <a:schemeClr val="tx1"/>
           </a:solidFill>
           <a:prstDash val="solid"/>
-          <a:tailEnd type="none"/>
+          <a:tailEnd type="triangle" w="lg" len="lg"/>
         </a:ln>
       </a:spPr>
       <a:bodyPr/>

--- a/doc/architecture.pptx
+++ b/doc/architecture.pptx
@@ -6,6 +6,7 @@
   </p:sldMasterIdLst>
   <p:sldIdLst>
     <p:sldId id="256" r:id="rId2"/>
+    <p:sldId id="257" r:id="rId3"/>
   </p:sldIdLst>
   <p:sldSz cx="12192000" cy="6858000"/>
   <p:notesSz cx="6858000" cy="9144000"/>
@@ -3881,7 +3882,7 @@
                   <a:schemeClr val="tx1"/>
                 </a:solidFill>
               </a:rPr>
-              <a:t>run1.accel.x2.csv</a:t>
+              <a:t>1.accel.x2.csv</a:t>
             </a:r>
           </a:p>
         </p:txBody>
@@ -4339,6 +4340,1538 @@
     <p:extLst>
       <p:ext uri="{BB962C8B-B14F-4D97-AF65-F5344CB8AC3E}">
         <p14:creationId xmlns:p14="http://schemas.microsoft.com/office/powerpoint/2010/main" val="1516095973"/>
+      </p:ext>
+    </p:extLst>
+  </p:cSld>
+  <p:clrMapOvr>
+    <a:masterClrMapping/>
+  </p:clrMapOvr>
+</p:sld>
+</file>
+
+<file path=ppt/slides/slide2.xml><?xml version="1.0" encoding="utf-8"?>
+<p:sld xmlns:a="http://schemas.openxmlformats.org/drawingml/2006/main" xmlns:r="http://schemas.openxmlformats.org/officeDocument/2006/relationships" xmlns:p="http://schemas.openxmlformats.org/presentationml/2006/main">
+  <p:cSld>
+    <p:spTree>
+      <p:nvGrpSpPr>
+        <p:cNvPr id="1" name=""/>
+        <p:cNvGrpSpPr/>
+        <p:nvPr/>
+      </p:nvGrpSpPr>
+      <p:grpSpPr>
+        <a:xfrm>
+          <a:off x="0" y="0"/>
+          <a:ext cx="0" cy="0"/>
+          <a:chOff x="0" y="0"/>
+          <a:chExt cx="0" cy="0"/>
+        </a:xfrm>
+      </p:grpSpPr>
+      <p:grpSp>
+        <p:nvGrpSpPr>
+          <p:cNvPr id="15" name="Group 14"/>
+          <p:cNvGrpSpPr/>
+          <p:nvPr/>
+        </p:nvGrpSpPr>
+        <p:grpSpPr>
+          <a:xfrm>
+            <a:off x="2143250" y="5275811"/>
+            <a:ext cx="2038051" cy="1332807"/>
+            <a:chOff x="4329497" y="3987338"/>
+            <a:chExt cx="2038051" cy="1332807"/>
+          </a:xfrm>
+        </p:grpSpPr>
+        <p:sp>
+          <p:nvSpPr>
+            <p:cNvPr id="9" name="Rectangle 8"/>
+            <p:cNvSpPr/>
+            <p:nvPr/>
+          </p:nvSpPr>
+          <p:spPr>
+            <a:xfrm>
+              <a:off x="4329497" y="3987338"/>
+              <a:ext cx="2038051" cy="459003"/>
+            </a:xfrm>
+            <a:prstGeom prst="rect">
+              <a:avLst/>
+            </a:prstGeom>
+            <a:noFill/>
+            <a:ln w="12700">
+              <a:solidFill>
+                <a:schemeClr val="tx1"/>
+              </a:solidFill>
+              <a:prstDash val="solid"/>
+            </a:ln>
+          </p:spPr>
+          <p:style>
+            <a:lnRef idx="2">
+              <a:schemeClr val="accent1">
+                <a:shade val="50000"/>
+              </a:schemeClr>
+            </a:lnRef>
+            <a:fillRef idx="1">
+              <a:schemeClr val="accent1"/>
+            </a:fillRef>
+            <a:effectRef idx="0">
+              <a:schemeClr val="accent1"/>
+            </a:effectRef>
+            <a:fontRef idx="minor">
+              <a:schemeClr val="lt1"/>
+            </a:fontRef>
+          </p:style>
+          <p:txBody>
+            <a:bodyPr rtlCol="0" anchor="ctr"/>
+            <a:lstStyle/>
+            <a:p>
+              <a:pPr algn="ctr"/>
+              <a:r>
+                <a:rPr lang="en-US" smtClean="0">
+                  <a:solidFill>
+                    <a:schemeClr val="tx1"/>
+                  </a:solidFill>
+                </a:rPr>
+                <a:t>DataStructures.py</a:t>
+              </a:r>
+              <a:endParaRPr lang="en-US" smtClean="0">
+                <a:solidFill>
+                  <a:schemeClr val="tx1"/>
+                </a:solidFill>
+              </a:endParaRPr>
+            </a:p>
+          </p:txBody>
+        </p:sp>
+        <p:sp>
+          <p:nvSpPr>
+            <p:cNvPr id="11" name="Rectangle 10"/>
+            <p:cNvSpPr/>
+            <p:nvPr/>
+          </p:nvSpPr>
+          <p:spPr>
+            <a:xfrm>
+              <a:off x="4329497" y="4449794"/>
+              <a:ext cx="2038051" cy="870351"/>
+            </a:xfrm>
+            <a:prstGeom prst="rect">
+              <a:avLst/>
+            </a:prstGeom>
+            <a:noFill/>
+            <a:ln w="12700">
+              <a:solidFill>
+                <a:schemeClr val="tx1"/>
+              </a:solidFill>
+              <a:prstDash val="solid"/>
+            </a:ln>
+          </p:spPr>
+          <p:style>
+            <a:lnRef idx="2">
+              <a:schemeClr val="accent1">
+                <a:shade val="50000"/>
+              </a:schemeClr>
+            </a:lnRef>
+            <a:fillRef idx="1">
+              <a:schemeClr val="accent1"/>
+            </a:fillRef>
+            <a:effectRef idx="0">
+              <a:schemeClr val="accent1"/>
+            </a:effectRef>
+            <a:fontRef idx="minor">
+              <a:schemeClr val="lt1"/>
+            </a:fontRef>
+          </p:style>
+          <p:txBody>
+            <a:bodyPr rot="0" spcFirstLastPara="0" vertOverflow="overflow" horzOverflow="overflow" vert="horz" wrap="square" lIns="91440" tIns="45720" rIns="91440" bIns="45720" numCol="1" spcCol="0" rtlCol="0" fromWordArt="0" anchor="ctr" anchorCtr="0" forceAA="0" compatLnSpc="1">
+              <a:prstTxWarp prst="textNoShape">
+                <a:avLst/>
+              </a:prstTxWarp>
+              <a:noAutofit/>
+            </a:bodyPr>
+            <a:lstStyle/>
+            <a:p>
+              <a:pPr algn="ctr"/>
+              <a:endParaRPr lang="en-US" smtClean="0">
+                <a:solidFill>
+                  <a:schemeClr val="tx1"/>
+                </a:solidFill>
+              </a:endParaRPr>
+            </a:p>
+          </p:txBody>
+        </p:sp>
+        <p:sp>
+          <p:nvSpPr>
+            <p:cNvPr id="13" name="TextBox 12"/>
+            <p:cNvSpPr txBox="1"/>
+            <p:nvPr/>
+          </p:nvSpPr>
+          <p:spPr>
+            <a:xfrm>
+              <a:off x="4453950" y="4561803"/>
+              <a:ext cx="1789144" cy="646331"/>
+            </a:xfrm>
+            <a:prstGeom prst="rect">
+              <a:avLst/>
+            </a:prstGeom>
+            <a:noFill/>
+          </p:spPr>
+          <p:txBody>
+            <a:bodyPr wrap="none" rtlCol="0">
+              <a:spAutoFit/>
+            </a:bodyPr>
+            <a:lstStyle/>
+            <a:p>
+              <a:r>
+                <a:rPr lang="en-US" smtClean="0"/>
+                <a:t>class AccelData;</a:t>
+              </a:r>
+            </a:p>
+            <a:p>
+              <a:r>
+                <a:rPr lang="en-US" smtClean="0"/>
+                <a:t>class RotaryData;</a:t>
+              </a:r>
+              <a:endParaRPr lang="en-US"/>
+            </a:p>
+          </p:txBody>
+        </p:sp>
+      </p:grpSp>
+      <p:sp>
+        <p:nvSpPr>
+          <p:cNvPr id="16" name="Rectangle 15"/>
+          <p:cNvSpPr/>
+          <p:nvPr/>
+        </p:nvSpPr>
+        <p:spPr>
+          <a:xfrm>
+            <a:off x="1390517" y="3956857"/>
+            <a:ext cx="1348095" cy="332510"/>
+          </a:xfrm>
+          <a:prstGeom prst="rect">
+            <a:avLst/>
+          </a:prstGeom>
+          <a:noFill/>
+          <a:ln w="12700">
+            <a:solidFill>
+              <a:schemeClr val="tx1"/>
+            </a:solidFill>
+            <a:prstDash val="solid"/>
+          </a:ln>
+        </p:spPr>
+        <p:style>
+          <a:lnRef idx="2">
+            <a:schemeClr val="accent1">
+              <a:shade val="50000"/>
+            </a:schemeClr>
+          </a:lnRef>
+          <a:fillRef idx="1">
+            <a:schemeClr val="accent1"/>
+          </a:fillRef>
+          <a:effectRef idx="0">
+            <a:schemeClr val="accent1"/>
+          </a:effectRef>
+          <a:fontRef idx="minor">
+            <a:schemeClr val="lt1"/>
+          </a:fontRef>
+        </p:style>
+        <p:txBody>
+          <a:bodyPr rot="0" spcFirstLastPara="0" vertOverflow="overflow" horzOverflow="overflow" vert="horz" wrap="square" lIns="91440" tIns="45720" rIns="91440" bIns="45720" numCol="1" spcCol="0" rtlCol="0" fromWordArt="0" anchor="ctr" anchorCtr="0" forceAA="0" compatLnSpc="1">
+            <a:prstTxWarp prst="textNoShape">
+              <a:avLst/>
+            </a:prstTxWarp>
+            <a:noAutofit/>
+          </a:bodyPr>
+          <a:lstStyle/>
+          <a:p>
+            <a:pPr algn="ctr"/>
+            <a:r>
+              <a:rPr lang="en-US" smtClean="0">
+                <a:solidFill>
+                  <a:schemeClr val="tx1"/>
+                </a:solidFill>
+              </a:rPr>
+              <a:t>Load.py</a:t>
+            </a:r>
+          </a:p>
+        </p:txBody>
+      </p:sp>
+      <p:sp>
+        <p:nvSpPr>
+          <p:cNvPr id="17" name="Rectangle 16"/>
+          <p:cNvSpPr/>
+          <p:nvPr/>
+        </p:nvSpPr>
+        <p:spPr>
+          <a:xfrm>
+            <a:off x="3597308" y="3956857"/>
+            <a:ext cx="1307201" cy="332510"/>
+          </a:xfrm>
+          <a:prstGeom prst="rect">
+            <a:avLst/>
+          </a:prstGeom>
+          <a:noFill/>
+          <a:ln w="12700">
+            <a:solidFill>
+              <a:schemeClr val="tx1"/>
+            </a:solidFill>
+            <a:prstDash val="solid"/>
+          </a:ln>
+        </p:spPr>
+        <p:style>
+          <a:lnRef idx="2">
+            <a:schemeClr val="accent1">
+              <a:shade val="50000"/>
+            </a:schemeClr>
+          </a:lnRef>
+          <a:fillRef idx="1">
+            <a:schemeClr val="accent1"/>
+          </a:fillRef>
+          <a:effectRef idx="0">
+            <a:schemeClr val="accent1"/>
+          </a:effectRef>
+          <a:fontRef idx="minor">
+            <a:schemeClr val="lt1"/>
+          </a:fontRef>
+        </p:style>
+        <p:txBody>
+          <a:bodyPr rot="0" spcFirstLastPara="0" vertOverflow="overflow" horzOverflow="overflow" vert="horz" wrap="square" lIns="91440" tIns="45720" rIns="91440" bIns="45720" numCol="1" spcCol="0" rtlCol="0" fromWordArt="0" anchor="ctr" anchorCtr="0" forceAA="0" compatLnSpc="1">
+            <a:prstTxWarp prst="textNoShape">
+              <a:avLst/>
+            </a:prstTxWarp>
+            <a:noAutofit/>
+          </a:bodyPr>
+          <a:lstStyle/>
+          <a:p>
+            <a:pPr algn="ctr"/>
+            <a:r>
+              <a:rPr lang="en-US" smtClean="0">
+                <a:solidFill>
+                  <a:schemeClr val="tx1"/>
+                </a:solidFill>
+              </a:rPr>
+              <a:t>Plot.py</a:t>
+            </a:r>
+          </a:p>
+        </p:txBody>
+      </p:sp>
+      <p:cxnSp>
+        <p:nvCxnSpPr>
+          <p:cNvPr id="19" name="Straight Arrow Connector 18"/>
+          <p:cNvCxnSpPr/>
+          <p:nvPr/>
+        </p:nvCxnSpPr>
+        <p:spPr>
+          <a:xfrm>
+            <a:off x="2527069" y="4289367"/>
+            <a:ext cx="8313" cy="982991"/>
+          </a:xfrm>
+          <a:prstGeom prst="straightConnector1">
+            <a:avLst/>
+          </a:prstGeom>
+          <a:ln w="12700">
+            <a:solidFill>
+              <a:schemeClr val="tx1"/>
+            </a:solidFill>
+            <a:prstDash val="solid"/>
+            <a:tailEnd type="triangle" w="lg" len="lg"/>
+          </a:ln>
+        </p:spPr>
+        <p:style>
+          <a:lnRef idx="1">
+            <a:schemeClr val="accent1"/>
+          </a:lnRef>
+          <a:fillRef idx="0">
+            <a:schemeClr val="accent1"/>
+          </a:fillRef>
+          <a:effectRef idx="0">
+            <a:schemeClr val="accent1"/>
+          </a:effectRef>
+          <a:fontRef idx="minor">
+            <a:schemeClr val="tx1"/>
+          </a:fontRef>
+        </p:style>
+      </p:cxnSp>
+      <p:cxnSp>
+        <p:nvCxnSpPr>
+          <p:cNvPr id="21" name="Straight Arrow Connector 20"/>
+          <p:cNvCxnSpPr/>
+          <p:nvPr/>
+        </p:nvCxnSpPr>
+        <p:spPr>
+          <a:xfrm>
+            <a:off x="3883477" y="4289367"/>
+            <a:ext cx="8313" cy="982991"/>
+          </a:xfrm>
+          <a:prstGeom prst="straightConnector1">
+            <a:avLst/>
+          </a:prstGeom>
+          <a:ln w="12700">
+            <a:solidFill>
+              <a:schemeClr val="tx1"/>
+            </a:solidFill>
+            <a:prstDash val="solid"/>
+            <a:tailEnd type="triangle" w="lg" len="lg"/>
+          </a:ln>
+        </p:spPr>
+        <p:style>
+          <a:lnRef idx="1">
+            <a:schemeClr val="accent1"/>
+          </a:lnRef>
+          <a:fillRef idx="0">
+            <a:schemeClr val="accent1"/>
+          </a:fillRef>
+          <a:effectRef idx="0">
+            <a:schemeClr val="accent1"/>
+          </a:effectRef>
+          <a:fontRef idx="minor">
+            <a:schemeClr val="tx1"/>
+          </a:fontRef>
+        </p:style>
+      </p:cxnSp>
+      <p:sp>
+        <p:nvSpPr>
+          <p:cNvPr id="23" name="Rectangle 22"/>
+          <p:cNvSpPr/>
+          <p:nvPr/>
+        </p:nvSpPr>
+        <p:spPr>
+          <a:xfrm>
+            <a:off x="2390815" y="2729343"/>
+            <a:ext cx="1433040" cy="579121"/>
+          </a:xfrm>
+          <a:prstGeom prst="rect">
+            <a:avLst/>
+          </a:prstGeom>
+          <a:noFill/>
+          <a:ln w="12700">
+            <a:solidFill>
+              <a:schemeClr val="tx1"/>
+            </a:solidFill>
+            <a:prstDash val="solid"/>
+          </a:ln>
+        </p:spPr>
+        <p:style>
+          <a:lnRef idx="2">
+            <a:schemeClr val="accent1">
+              <a:shade val="50000"/>
+            </a:schemeClr>
+          </a:lnRef>
+          <a:fillRef idx="1">
+            <a:schemeClr val="accent1"/>
+          </a:fillRef>
+          <a:effectRef idx="0">
+            <a:schemeClr val="accent1"/>
+          </a:effectRef>
+          <a:fontRef idx="minor">
+            <a:schemeClr val="lt1"/>
+          </a:fontRef>
+        </p:style>
+        <p:txBody>
+          <a:bodyPr rot="0" spcFirstLastPara="0" vertOverflow="overflow" horzOverflow="overflow" vert="horz" wrap="square" lIns="91440" tIns="45720" rIns="91440" bIns="45720" numCol="1" spcCol="0" rtlCol="0" fromWordArt="0" anchor="ctr" anchorCtr="0" forceAA="0" compatLnSpc="1">
+            <a:prstTxWarp prst="textNoShape">
+              <a:avLst/>
+            </a:prstTxWarp>
+            <a:noAutofit/>
+          </a:bodyPr>
+          <a:lstStyle/>
+          <a:p>
+            <a:pPr algn="ctr"/>
+            <a:r>
+              <a:rPr lang="en-US" smtClean="0">
+                <a:solidFill>
+                  <a:schemeClr val="tx1"/>
+                </a:solidFill>
+              </a:rPr>
+              <a:t>analysis modules</a:t>
+            </a:r>
+          </a:p>
+        </p:txBody>
+      </p:sp>
+      <p:cxnSp>
+        <p:nvCxnSpPr>
+          <p:cNvPr id="24" name="Straight Arrow Connector 23"/>
+          <p:cNvCxnSpPr>
+            <a:endCxn id="9" idx="0"/>
+          </p:cNvCxnSpPr>
+          <p:nvPr/>
+        </p:nvCxnSpPr>
+        <p:spPr>
+          <a:xfrm>
+            <a:off x="3162275" y="3309146"/>
+            <a:ext cx="1" cy="1966665"/>
+          </a:xfrm>
+          <a:prstGeom prst="straightConnector1">
+            <a:avLst/>
+          </a:prstGeom>
+          <a:ln w="12700">
+            <a:solidFill>
+              <a:schemeClr val="tx1"/>
+            </a:solidFill>
+            <a:prstDash val="solid"/>
+            <a:tailEnd type="triangle" w="lg" len="lg"/>
+          </a:ln>
+        </p:spPr>
+        <p:style>
+          <a:lnRef idx="1">
+            <a:schemeClr val="accent1"/>
+          </a:lnRef>
+          <a:fillRef idx="0">
+            <a:schemeClr val="accent1"/>
+          </a:fillRef>
+          <a:effectRef idx="0">
+            <a:schemeClr val="accent1"/>
+          </a:effectRef>
+          <a:fontRef idx="minor">
+            <a:schemeClr val="tx1"/>
+          </a:fontRef>
+        </p:style>
+      </p:cxnSp>
+      <p:sp>
+        <p:nvSpPr>
+          <p:cNvPr id="26" name="Snip Single Corner Rectangle 25"/>
+          <p:cNvSpPr/>
+          <p:nvPr/>
+        </p:nvSpPr>
+        <p:spPr>
+          <a:xfrm>
+            <a:off x="6457888" y="960297"/>
+            <a:ext cx="1388225" cy="288862"/>
+          </a:xfrm>
+          <a:prstGeom prst="snip1Rect">
+            <a:avLst/>
+          </a:prstGeom>
+          <a:solidFill>
+            <a:schemeClr val="bg1">
+              <a:lumMod val="85000"/>
+            </a:schemeClr>
+          </a:solidFill>
+          <a:ln w="12700">
+            <a:solidFill>
+              <a:schemeClr val="tx1"/>
+            </a:solidFill>
+            <a:prstDash val="solid"/>
+          </a:ln>
+        </p:spPr>
+        <p:style>
+          <a:lnRef idx="2">
+            <a:schemeClr val="accent1">
+              <a:shade val="50000"/>
+            </a:schemeClr>
+          </a:lnRef>
+          <a:fillRef idx="1">
+            <a:schemeClr val="accent1"/>
+          </a:fillRef>
+          <a:effectRef idx="0">
+            <a:schemeClr val="accent1"/>
+          </a:effectRef>
+          <a:fontRef idx="minor">
+            <a:schemeClr val="lt1"/>
+          </a:fontRef>
+        </p:style>
+        <p:txBody>
+          <a:bodyPr rot="0" spcFirstLastPara="0" vertOverflow="overflow" horzOverflow="overflow" vert="horz" wrap="square" lIns="91440" tIns="45720" rIns="91440" bIns="45720" numCol="1" spcCol="0" rtlCol="0" fromWordArt="0" anchor="ctr" anchorCtr="0" forceAA="0" compatLnSpc="1">
+            <a:prstTxWarp prst="textNoShape">
+              <a:avLst/>
+            </a:prstTxWarp>
+            <a:noAutofit/>
+          </a:bodyPr>
+          <a:lstStyle/>
+          <a:p>
+            <a:pPr algn="ctr"/>
+            <a:r>
+              <a:rPr lang="en-US" smtClean="0">
+                <a:solidFill>
+                  <a:schemeClr val="tx1"/>
+                </a:solidFill>
+              </a:rPr>
+              <a:t>data/</a:t>
+            </a:r>
+          </a:p>
+        </p:txBody>
+      </p:sp>
+      <p:sp>
+        <p:nvSpPr>
+          <p:cNvPr id="27" name="Snip Single Corner Rectangle 26"/>
+          <p:cNvSpPr/>
+          <p:nvPr/>
+        </p:nvSpPr>
+        <p:spPr>
+          <a:xfrm>
+            <a:off x="6851650" y="1379826"/>
+            <a:ext cx="1564228" cy="299998"/>
+          </a:xfrm>
+          <a:prstGeom prst="snip1Rect">
+            <a:avLst/>
+          </a:prstGeom>
+          <a:solidFill>
+            <a:schemeClr val="bg1">
+              <a:lumMod val="85000"/>
+            </a:schemeClr>
+          </a:solidFill>
+          <a:ln w="12700">
+            <a:solidFill>
+              <a:schemeClr val="tx1"/>
+            </a:solidFill>
+            <a:prstDash val="solid"/>
+          </a:ln>
+        </p:spPr>
+        <p:style>
+          <a:lnRef idx="2">
+            <a:schemeClr val="accent1">
+              <a:shade val="50000"/>
+            </a:schemeClr>
+          </a:lnRef>
+          <a:fillRef idx="1">
+            <a:schemeClr val="accent1"/>
+          </a:fillRef>
+          <a:effectRef idx="0">
+            <a:schemeClr val="accent1"/>
+          </a:effectRef>
+          <a:fontRef idx="minor">
+            <a:schemeClr val="lt1"/>
+          </a:fontRef>
+        </p:style>
+        <p:txBody>
+          <a:bodyPr rot="0" spcFirstLastPara="0" vertOverflow="overflow" horzOverflow="overflow" vert="horz" wrap="square" lIns="91440" tIns="45720" rIns="91440" bIns="45720" numCol="1" spcCol="0" rtlCol="0" fromWordArt="0" anchor="ctr" anchorCtr="0" forceAA="0" compatLnSpc="1">
+            <a:prstTxWarp prst="textNoShape">
+              <a:avLst/>
+            </a:prstTxWarp>
+            <a:noAutofit/>
+          </a:bodyPr>
+          <a:lstStyle/>
+          <a:p>
+            <a:pPr algn="ctr"/>
+            <a:r>
+              <a:rPr lang="en-US" smtClean="0">
+                <a:solidFill>
+                  <a:schemeClr val="tx1"/>
+                </a:solidFill>
+              </a:rPr>
+              <a:t>2019 06  03/</a:t>
+            </a:r>
+          </a:p>
+        </p:txBody>
+      </p:sp>
+      <p:sp>
+        <p:nvSpPr>
+          <p:cNvPr id="28" name="Snip Single Corner Rectangle 27"/>
+          <p:cNvSpPr/>
+          <p:nvPr/>
+        </p:nvSpPr>
+        <p:spPr>
+          <a:xfrm>
+            <a:off x="6851650" y="1853797"/>
+            <a:ext cx="1564228" cy="324314"/>
+          </a:xfrm>
+          <a:prstGeom prst="snip1Rect">
+            <a:avLst/>
+          </a:prstGeom>
+          <a:solidFill>
+            <a:schemeClr val="bg1">
+              <a:lumMod val="85000"/>
+            </a:schemeClr>
+          </a:solidFill>
+          <a:ln w="12700">
+            <a:solidFill>
+              <a:schemeClr val="tx1"/>
+            </a:solidFill>
+            <a:prstDash val="solid"/>
+          </a:ln>
+        </p:spPr>
+        <p:style>
+          <a:lnRef idx="2">
+            <a:schemeClr val="accent1">
+              <a:shade val="50000"/>
+            </a:schemeClr>
+          </a:lnRef>
+          <a:fillRef idx="1">
+            <a:schemeClr val="accent1"/>
+          </a:fillRef>
+          <a:effectRef idx="0">
+            <a:schemeClr val="accent1"/>
+          </a:effectRef>
+          <a:fontRef idx="minor">
+            <a:schemeClr val="lt1"/>
+          </a:fontRef>
+        </p:style>
+        <p:txBody>
+          <a:bodyPr rot="0" spcFirstLastPara="0" vertOverflow="overflow" horzOverflow="overflow" vert="horz" wrap="square" lIns="91440" tIns="45720" rIns="91440" bIns="45720" numCol="1" spcCol="0" rtlCol="0" fromWordArt="0" anchor="ctr" anchorCtr="0" forceAA="0" compatLnSpc="1">
+            <a:prstTxWarp prst="textNoShape">
+              <a:avLst/>
+            </a:prstTxWarp>
+            <a:noAutofit/>
+          </a:bodyPr>
+          <a:lstStyle/>
+          <a:p>
+            <a:pPr algn="ctr"/>
+            <a:r>
+              <a:rPr lang="en-US" smtClean="0">
+                <a:solidFill>
+                  <a:schemeClr val="tx1"/>
+                </a:solidFill>
+              </a:rPr>
+              <a:t>2019 06  04/</a:t>
+            </a:r>
+          </a:p>
+        </p:txBody>
+      </p:sp>
+      <p:sp>
+        <p:nvSpPr>
+          <p:cNvPr id="29" name="Snip Single Corner Rectangle 28"/>
+          <p:cNvSpPr/>
+          <p:nvPr/>
+        </p:nvSpPr>
+        <p:spPr>
+          <a:xfrm>
+            <a:off x="7544424" y="2340685"/>
+            <a:ext cx="1564228" cy="323933"/>
+          </a:xfrm>
+          <a:prstGeom prst="snip1Rect">
+            <a:avLst/>
+          </a:prstGeom>
+          <a:solidFill>
+            <a:schemeClr val="bg1">
+              <a:lumMod val="85000"/>
+            </a:schemeClr>
+          </a:solidFill>
+          <a:ln w="12700">
+            <a:solidFill>
+              <a:schemeClr val="tx1"/>
+            </a:solidFill>
+            <a:prstDash val="solid"/>
+          </a:ln>
+        </p:spPr>
+        <p:style>
+          <a:lnRef idx="2">
+            <a:schemeClr val="accent1">
+              <a:shade val="50000"/>
+            </a:schemeClr>
+          </a:lnRef>
+          <a:fillRef idx="1">
+            <a:schemeClr val="accent1"/>
+          </a:fillRef>
+          <a:effectRef idx="0">
+            <a:schemeClr val="accent1"/>
+          </a:effectRef>
+          <a:fontRef idx="minor">
+            <a:schemeClr val="lt1"/>
+          </a:fontRef>
+        </p:style>
+        <p:txBody>
+          <a:bodyPr rot="0" spcFirstLastPara="0" vertOverflow="overflow" horzOverflow="overflow" vert="horz" wrap="square" lIns="91440" tIns="45720" rIns="91440" bIns="45720" numCol="1" spcCol="0" rtlCol="0" fromWordArt="0" anchor="ctr" anchorCtr="0" forceAA="0" compatLnSpc="1">
+            <a:prstTxWarp prst="textNoShape">
+              <a:avLst/>
+            </a:prstTxWarp>
+            <a:noAutofit/>
+          </a:bodyPr>
+          <a:lstStyle/>
+          <a:p>
+            <a:pPr algn="ctr"/>
+            <a:r>
+              <a:rPr lang="en-US" smtClean="0">
+                <a:solidFill>
+                  <a:schemeClr val="tx1"/>
+                </a:solidFill>
+              </a:rPr>
+              <a:t>FooTest/</a:t>
+            </a:r>
+          </a:p>
+        </p:txBody>
+      </p:sp>
+      <p:sp>
+        <p:nvSpPr>
+          <p:cNvPr id="34" name="TextBox 33"/>
+          <p:cNvSpPr txBox="1"/>
+          <p:nvPr/>
+        </p:nvSpPr>
+        <p:spPr>
+          <a:xfrm>
+            <a:off x="1622496" y="407945"/>
+            <a:ext cx="2628412" cy="369332"/>
+          </a:xfrm>
+          <a:prstGeom prst="rect">
+            <a:avLst/>
+          </a:prstGeom>
+          <a:noFill/>
+        </p:spPr>
+        <p:txBody>
+          <a:bodyPr wrap="none" rtlCol="0">
+            <a:spAutoFit/>
+          </a:bodyPr>
+          <a:lstStyle/>
+          <a:p>
+            <a:r>
+              <a:rPr lang="en-US" u="sng" smtClean="0"/>
+              <a:t>component dependencies</a:t>
+            </a:r>
+            <a:endParaRPr lang="en-US" u="sng"/>
+          </a:p>
+        </p:txBody>
+      </p:sp>
+      <p:sp>
+        <p:nvSpPr>
+          <p:cNvPr id="35" name="TextBox 34"/>
+          <p:cNvSpPr txBox="1"/>
+          <p:nvPr/>
+        </p:nvSpPr>
+        <p:spPr>
+          <a:xfrm>
+            <a:off x="8326538" y="390443"/>
+            <a:ext cx="1939890" cy="369332"/>
+          </a:xfrm>
+          <a:prstGeom prst="rect">
+            <a:avLst/>
+          </a:prstGeom>
+          <a:noFill/>
+        </p:spPr>
+        <p:txBody>
+          <a:bodyPr wrap="none" rtlCol="0">
+            <a:spAutoFit/>
+          </a:bodyPr>
+          <a:lstStyle/>
+          <a:p>
+            <a:r>
+              <a:rPr lang="en-US" u="sng" smtClean="0"/>
+              <a:t>directory structure</a:t>
+            </a:r>
+            <a:endParaRPr lang="en-US" u="sng"/>
+          </a:p>
+        </p:txBody>
+      </p:sp>
+      <p:sp>
+        <p:nvSpPr>
+          <p:cNvPr id="36" name="TextBox 35"/>
+          <p:cNvSpPr txBox="1"/>
+          <p:nvPr/>
+        </p:nvSpPr>
+        <p:spPr>
+          <a:xfrm>
+            <a:off x="163899" y="38613"/>
+            <a:ext cx="1226618" cy="369332"/>
+          </a:xfrm>
+          <a:prstGeom prst="rect">
+            <a:avLst/>
+          </a:prstGeom>
+          <a:noFill/>
+        </p:spPr>
+        <p:txBody>
+          <a:bodyPr wrap="none" rtlCol="0">
+            <a:spAutoFit/>
+          </a:bodyPr>
+          <a:lstStyle/>
+          <a:p>
+            <a:r>
+              <a:rPr lang="en-US" smtClean="0"/>
+              <a:t>2019 06 04</a:t>
+            </a:r>
+            <a:endParaRPr lang="en-US"/>
+          </a:p>
+        </p:txBody>
+      </p:sp>
+      <p:sp>
+        <p:nvSpPr>
+          <p:cNvPr id="37" name="Rectangle 36"/>
+          <p:cNvSpPr/>
+          <p:nvPr/>
+        </p:nvSpPr>
+        <p:spPr>
+          <a:xfrm>
+            <a:off x="1288973" y="1499391"/>
+            <a:ext cx="3844887" cy="396213"/>
+          </a:xfrm>
+          <a:prstGeom prst="rect">
+            <a:avLst/>
+          </a:prstGeom>
+          <a:noFill/>
+          <a:ln w="12700">
+            <a:solidFill>
+              <a:schemeClr val="tx1"/>
+            </a:solidFill>
+            <a:prstDash val="solid"/>
+          </a:ln>
+        </p:spPr>
+        <p:style>
+          <a:lnRef idx="2">
+            <a:schemeClr val="accent1">
+              <a:shade val="50000"/>
+            </a:schemeClr>
+          </a:lnRef>
+          <a:fillRef idx="1">
+            <a:schemeClr val="accent1"/>
+          </a:fillRef>
+          <a:effectRef idx="0">
+            <a:schemeClr val="accent1"/>
+          </a:effectRef>
+          <a:fontRef idx="minor">
+            <a:schemeClr val="lt1"/>
+          </a:fontRef>
+        </p:style>
+        <p:txBody>
+          <a:bodyPr rot="0" spcFirstLastPara="0" vertOverflow="overflow" horzOverflow="overflow" vert="horz" wrap="square" lIns="91440" tIns="45720" rIns="91440" bIns="45720" numCol="1" spcCol="0" rtlCol="0" fromWordArt="0" anchor="ctr" anchorCtr="0" forceAA="0" compatLnSpc="1">
+            <a:prstTxWarp prst="textNoShape">
+              <a:avLst/>
+            </a:prstTxWarp>
+            <a:noAutofit/>
+          </a:bodyPr>
+          <a:lstStyle/>
+          <a:p>
+            <a:pPr algn="ctr"/>
+            <a:r>
+              <a:rPr lang="en-US" smtClean="0">
+                <a:solidFill>
+                  <a:schemeClr val="tx1"/>
+                </a:solidFill>
+              </a:rPr>
+              <a:t>main.py</a:t>
+            </a:r>
+          </a:p>
+        </p:txBody>
+      </p:sp>
+      <p:cxnSp>
+        <p:nvCxnSpPr>
+          <p:cNvPr id="40" name="Straight Arrow Connector 39"/>
+          <p:cNvCxnSpPr/>
+          <p:nvPr/>
+        </p:nvCxnSpPr>
+        <p:spPr>
+          <a:xfrm>
+            <a:off x="4364734" y="1895604"/>
+            <a:ext cx="16815" cy="2058607"/>
+          </a:xfrm>
+          <a:prstGeom prst="straightConnector1">
+            <a:avLst/>
+          </a:prstGeom>
+          <a:ln w="12700">
+            <a:solidFill>
+              <a:schemeClr val="tx1"/>
+            </a:solidFill>
+            <a:prstDash val="solid"/>
+            <a:tailEnd type="triangle" w="lg" len="lg"/>
+          </a:ln>
+        </p:spPr>
+        <p:style>
+          <a:lnRef idx="1">
+            <a:schemeClr val="accent1"/>
+          </a:lnRef>
+          <a:fillRef idx="0">
+            <a:schemeClr val="accent1"/>
+          </a:fillRef>
+          <a:effectRef idx="0">
+            <a:schemeClr val="accent1"/>
+          </a:effectRef>
+          <a:fontRef idx="minor">
+            <a:schemeClr val="tx1"/>
+          </a:fontRef>
+        </p:style>
+      </p:cxnSp>
+      <p:cxnSp>
+        <p:nvCxnSpPr>
+          <p:cNvPr id="42" name="Straight Arrow Connector 41"/>
+          <p:cNvCxnSpPr/>
+          <p:nvPr/>
+        </p:nvCxnSpPr>
+        <p:spPr>
+          <a:xfrm>
+            <a:off x="1873973" y="1895603"/>
+            <a:ext cx="16815" cy="2058607"/>
+          </a:xfrm>
+          <a:prstGeom prst="straightConnector1">
+            <a:avLst/>
+          </a:prstGeom>
+          <a:ln w="12700">
+            <a:solidFill>
+              <a:schemeClr val="tx1"/>
+            </a:solidFill>
+            <a:prstDash val="solid"/>
+            <a:tailEnd type="triangle" w="lg" len="lg"/>
+          </a:ln>
+        </p:spPr>
+        <p:style>
+          <a:lnRef idx="1">
+            <a:schemeClr val="accent1"/>
+          </a:lnRef>
+          <a:fillRef idx="0">
+            <a:schemeClr val="accent1"/>
+          </a:fillRef>
+          <a:effectRef idx="0">
+            <a:schemeClr val="accent1"/>
+          </a:effectRef>
+          <a:fontRef idx="minor">
+            <a:schemeClr val="tx1"/>
+          </a:fontRef>
+        </p:style>
+      </p:cxnSp>
+      <p:cxnSp>
+        <p:nvCxnSpPr>
+          <p:cNvPr id="43" name="Straight Arrow Connector 42"/>
+          <p:cNvCxnSpPr/>
+          <p:nvPr/>
+        </p:nvCxnSpPr>
+        <p:spPr>
+          <a:xfrm>
+            <a:off x="3077428" y="1910202"/>
+            <a:ext cx="11019" cy="833740"/>
+          </a:xfrm>
+          <a:prstGeom prst="straightConnector1">
+            <a:avLst/>
+          </a:prstGeom>
+          <a:ln w="12700">
+            <a:solidFill>
+              <a:schemeClr val="tx1"/>
+            </a:solidFill>
+            <a:prstDash val="solid"/>
+            <a:tailEnd type="triangle" w="lg" len="lg"/>
+          </a:ln>
+        </p:spPr>
+        <p:style>
+          <a:lnRef idx="1">
+            <a:schemeClr val="accent1"/>
+          </a:lnRef>
+          <a:fillRef idx="0">
+            <a:schemeClr val="accent1"/>
+          </a:fillRef>
+          <a:effectRef idx="0">
+            <a:schemeClr val="accent1"/>
+          </a:effectRef>
+          <a:fontRef idx="minor">
+            <a:schemeClr val="tx1"/>
+          </a:fontRef>
+        </p:style>
+      </p:cxnSp>
+      <p:sp>
+        <p:nvSpPr>
+          <p:cNvPr id="38" name="Snip Single Corner Rectangle 37"/>
+          <p:cNvSpPr/>
+          <p:nvPr/>
+        </p:nvSpPr>
+        <p:spPr>
+          <a:xfrm>
+            <a:off x="7544424" y="2795847"/>
+            <a:ext cx="1564228" cy="323933"/>
+          </a:xfrm>
+          <a:prstGeom prst="snip1Rect">
+            <a:avLst/>
+          </a:prstGeom>
+          <a:solidFill>
+            <a:schemeClr val="bg1">
+              <a:lumMod val="85000"/>
+            </a:schemeClr>
+          </a:solidFill>
+          <a:ln w="12700">
+            <a:solidFill>
+              <a:schemeClr val="tx1"/>
+            </a:solidFill>
+            <a:prstDash val="solid"/>
+          </a:ln>
+        </p:spPr>
+        <p:style>
+          <a:lnRef idx="2">
+            <a:schemeClr val="accent1">
+              <a:shade val="50000"/>
+            </a:schemeClr>
+          </a:lnRef>
+          <a:fillRef idx="1">
+            <a:schemeClr val="accent1"/>
+          </a:fillRef>
+          <a:effectRef idx="0">
+            <a:schemeClr val="accent1"/>
+          </a:effectRef>
+          <a:fontRef idx="minor">
+            <a:schemeClr val="lt1"/>
+          </a:fontRef>
+        </p:style>
+        <p:txBody>
+          <a:bodyPr rot="0" spcFirstLastPara="0" vertOverflow="overflow" horzOverflow="overflow" vert="horz" wrap="square" lIns="91440" tIns="45720" rIns="91440" bIns="45720" numCol="1" spcCol="0" rtlCol="0" fromWordArt="0" anchor="ctr" anchorCtr="0" forceAA="0" compatLnSpc="1">
+            <a:prstTxWarp prst="textNoShape">
+              <a:avLst/>
+            </a:prstTxWarp>
+            <a:noAutofit/>
+          </a:bodyPr>
+          <a:lstStyle/>
+          <a:p>
+            <a:pPr algn="ctr"/>
+            <a:r>
+              <a:rPr lang="en-US" smtClean="0">
+                <a:solidFill>
+                  <a:schemeClr val="tx1"/>
+                </a:solidFill>
+              </a:rPr>
+              <a:t>FaTest/</a:t>
+            </a:r>
+          </a:p>
+        </p:txBody>
+      </p:sp>
+      <p:grpSp>
+        <p:nvGrpSpPr>
+          <p:cNvPr id="3" name="Group 2"/>
+          <p:cNvGrpSpPr/>
+          <p:nvPr/>
+        </p:nvGrpSpPr>
+        <p:grpSpPr>
+          <a:xfrm>
+            <a:off x="8051618" y="3247013"/>
+            <a:ext cx="2935900" cy="1333491"/>
+            <a:chOff x="8051618" y="3247013"/>
+            <a:chExt cx="2935900" cy="1333491"/>
+          </a:xfrm>
+        </p:grpSpPr>
+        <p:grpSp>
+          <p:nvGrpSpPr>
+            <p:cNvPr id="2" name="Group 1"/>
+            <p:cNvGrpSpPr/>
+            <p:nvPr/>
+          </p:nvGrpSpPr>
+          <p:grpSpPr>
+            <a:xfrm>
+              <a:off x="8573112" y="3763925"/>
+              <a:ext cx="2414406" cy="816579"/>
+              <a:chOff x="8051618" y="3484590"/>
+              <a:chExt cx="2414406" cy="816579"/>
+            </a:xfrm>
+          </p:grpSpPr>
+          <p:sp>
+            <p:nvSpPr>
+              <p:cNvPr id="30" name="Rectangle 29"/>
+              <p:cNvSpPr/>
+              <p:nvPr/>
+            </p:nvSpPr>
+            <p:spPr>
+              <a:xfrm>
+                <a:off x="8051618" y="3484590"/>
+                <a:ext cx="1784649" cy="319343"/>
+              </a:xfrm>
+              <a:prstGeom prst="rect">
+                <a:avLst/>
+              </a:prstGeom>
+              <a:solidFill>
+                <a:schemeClr val="bg1">
+                  <a:lumMod val="95000"/>
+                </a:schemeClr>
+              </a:solidFill>
+              <a:ln w="12700">
+                <a:solidFill>
+                  <a:schemeClr val="tx1"/>
+                </a:solidFill>
+                <a:prstDash val="solid"/>
+              </a:ln>
+            </p:spPr>
+            <p:style>
+              <a:lnRef idx="2">
+                <a:schemeClr val="accent1">
+                  <a:shade val="50000"/>
+                </a:schemeClr>
+              </a:lnRef>
+              <a:fillRef idx="1">
+                <a:schemeClr val="accent1"/>
+              </a:fillRef>
+              <a:effectRef idx="0">
+                <a:schemeClr val="accent1"/>
+              </a:effectRef>
+              <a:fontRef idx="minor">
+                <a:schemeClr val="lt1"/>
+              </a:fontRef>
+            </p:style>
+            <p:txBody>
+              <a:bodyPr rot="0" spcFirstLastPara="0" vertOverflow="overflow" horzOverflow="overflow" vert="horz" wrap="square" lIns="91440" tIns="45720" rIns="91440" bIns="45720" numCol="1" spcCol="0" rtlCol="0" fromWordArt="0" anchor="ctr" anchorCtr="0" forceAA="0" compatLnSpc="1">
+                <a:prstTxWarp prst="textNoShape">
+                  <a:avLst/>
+                </a:prstTxWarp>
+                <a:noAutofit/>
+              </a:bodyPr>
+              <a:lstStyle/>
+              <a:p>
+                <a:pPr algn="ctr"/>
+                <a:r>
+                  <a:rPr lang="en-US" smtClean="0">
+                    <a:solidFill>
+                      <a:schemeClr val="tx1"/>
+                    </a:solidFill>
+                  </a:rPr>
+                  <a:t>accel.x2.csv</a:t>
+                </a:r>
+              </a:p>
+            </p:txBody>
+          </p:sp>
+          <p:sp>
+            <p:nvSpPr>
+              <p:cNvPr id="31" name="Rectangle 30"/>
+              <p:cNvSpPr/>
+              <p:nvPr/>
+            </p:nvSpPr>
+            <p:spPr>
+              <a:xfrm>
+                <a:off x="8051618" y="3956858"/>
+                <a:ext cx="2414406" cy="344311"/>
+              </a:xfrm>
+              <a:prstGeom prst="rect">
+                <a:avLst/>
+              </a:prstGeom>
+              <a:solidFill>
+                <a:schemeClr val="bg1">
+                  <a:lumMod val="95000"/>
+                </a:schemeClr>
+              </a:solidFill>
+              <a:ln w="12700">
+                <a:solidFill>
+                  <a:schemeClr val="tx1"/>
+                </a:solidFill>
+                <a:prstDash val="solid"/>
+              </a:ln>
+            </p:spPr>
+            <p:style>
+              <a:lnRef idx="2">
+                <a:schemeClr val="accent1">
+                  <a:shade val="50000"/>
+                </a:schemeClr>
+              </a:lnRef>
+              <a:fillRef idx="1">
+                <a:schemeClr val="accent1"/>
+              </a:fillRef>
+              <a:effectRef idx="0">
+                <a:schemeClr val="accent1"/>
+              </a:effectRef>
+              <a:fontRef idx="minor">
+                <a:schemeClr val="lt1"/>
+              </a:fontRef>
+            </p:style>
+            <p:txBody>
+              <a:bodyPr rot="0" spcFirstLastPara="0" vertOverflow="overflow" horzOverflow="overflow" vert="horz" wrap="square" lIns="91440" tIns="45720" rIns="91440" bIns="45720" numCol="1" spcCol="0" rtlCol="0" fromWordArt="0" anchor="ctr" anchorCtr="0" forceAA="0" compatLnSpc="1">
+                <a:prstTxWarp prst="textNoShape">
+                  <a:avLst/>
+                </a:prstTxWarp>
+                <a:noAutofit/>
+              </a:bodyPr>
+              <a:lstStyle/>
+              <a:p>
+                <a:pPr algn="ctr"/>
+                <a:r>
+                  <a:rPr lang="en-US" smtClean="0">
+                    <a:solidFill>
+                      <a:schemeClr val="tx1"/>
+                    </a:solidFill>
+                  </a:rPr>
+                  <a:t>omega.pasco.csv</a:t>
+                </a:r>
+              </a:p>
+            </p:txBody>
+          </p:sp>
+        </p:grpSp>
+        <p:sp>
+          <p:nvSpPr>
+            <p:cNvPr id="39" name="Snip Single Corner Rectangle 38"/>
+            <p:cNvSpPr/>
+            <p:nvPr/>
+          </p:nvSpPr>
+          <p:spPr>
+            <a:xfrm>
+              <a:off x="8051618" y="3247013"/>
+              <a:ext cx="1564228" cy="323933"/>
+            </a:xfrm>
+            <a:prstGeom prst="snip1Rect">
+              <a:avLst/>
+            </a:prstGeom>
+            <a:solidFill>
+              <a:schemeClr val="bg1">
+                <a:lumMod val="85000"/>
+              </a:schemeClr>
+            </a:solidFill>
+            <a:ln w="12700">
+              <a:solidFill>
+                <a:schemeClr val="tx1"/>
+              </a:solidFill>
+              <a:prstDash val="solid"/>
+            </a:ln>
+          </p:spPr>
+          <p:style>
+            <a:lnRef idx="2">
+              <a:schemeClr val="accent1">
+                <a:shade val="50000"/>
+              </a:schemeClr>
+            </a:lnRef>
+            <a:fillRef idx="1">
+              <a:schemeClr val="accent1"/>
+            </a:fillRef>
+            <a:effectRef idx="0">
+              <a:schemeClr val="accent1"/>
+            </a:effectRef>
+            <a:fontRef idx="minor">
+              <a:schemeClr val="lt1"/>
+            </a:fontRef>
+          </p:style>
+          <p:txBody>
+            <a:bodyPr rot="0" spcFirstLastPara="0" vertOverflow="overflow" horzOverflow="overflow" vert="horz" wrap="square" lIns="91440" tIns="45720" rIns="91440" bIns="45720" numCol="1" spcCol="0" rtlCol="0" fromWordArt="0" anchor="ctr" anchorCtr="0" forceAA="0" compatLnSpc="1">
+              <a:prstTxWarp prst="textNoShape">
+                <a:avLst/>
+              </a:prstTxWarp>
+              <a:noAutofit/>
+            </a:bodyPr>
+            <a:lstStyle/>
+            <a:p>
+              <a:pPr algn="ctr"/>
+              <a:r>
+                <a:rPr lang="en-US" smtClean="0">
+                  <a:solidFill>
+                    <a:schemeClr val="tx1"/>
+                  </a:solidFill>
+                </a:rPr>
+                <a:t>run1/</a:t>
+              </a:r>
+            </a:p>
+          </p:txBody>
+        </p:sp>
+      </p:grpSp>
+      <p:sp>
+        <p:nvSpPr>
+          <p:cNvPr id="46" name="Rectangle 45"/>
+          <p:cNvSpPr/>
+          <p:nvPr/>
+        </p:nvSpPr>
+        <p:spPr>
+          <a:xfrm>
+            <a:off x="8518980" y="5297774"/>
+            <a:ext cx="1784649" cy="319343"/>
+          </a:xfrm>
+          <a:prstGeom prst="rect">
+            <a:avLst/>
+          </a:prstGeom>
+          <a:solidFill>
+            <a:schemeClr val="bg1">
+              <a:lumMod val="95000"/>
+            </a:schemeClr>
+          </a:solidFill>
+          <a:ln w="12700">
+            <a:solidFill>
+              <a:schemeClr val="tx1"/>
+            </a:solidFill>
+            <a:prstDash val="solid"/>
+          </a:ln>
+        </p:spPr>
+        <p:style>
+          <a:lnRef idx="2">
+            <a:schemeClr val="accent1">
+              <a:shade val="50000"/>
+            </a:schemeClr>
+          </a:lnRef>
+          <a:fillRef idx="1">
+            <a:schemeClr val="accent1"/>
+          </a:fillRef>
+          <a:effectRef idx="0">
+            <a:schemeClr val="accent1"/>
+          </a:effectRef>
+          <a:fontRef idx="minor">
+            <a:schemeClr val="lt1"/>
+          </a:fontRef>
+        </p:style>
+        <p:txBody>
+          <a:bodyPr rot="0" spcFirstLastPara="0" vertOverflow="overflow" horzOverflow="overflow" vert="horz" wrap="square" lIns="91440" tIns="45720" rIns="91440" bIns="45720" numCol="1" spcCol="0" rtlCol="0" fromWordArt="0" anchor="ctr" anchorCtr="0" forceAA="0" compatLnSpc="1">
+            <a:prstTxWarp prst="textNoShape">
+              <a:avLst/>
+            </a:prstTxWarp>
+            <a:noAutofit/>
+          </a:bodyPr>
+          <a:lstStyle/>
+          <a:p>
+            <a:pPr algn="ctr"/>
+            <a:r>
+              <a:rPr lang="en-US" smtClean="0">
+                <a:solidFill>
+                  <a:schemeClr val="tx1"/>
+                </a:solidFill>
+              </a:rPr>
+              <a:t>accel.x2.csv</a:t>
+            </a:r>
+          </a:p>
+        </p:txBody>
+      </p:sp>
+      <p:sp>
+        <p:nvSpPr>
+          <p:cNvPr id="47" name="Rectangle 46"/>
+          <p:cNvSpPr/>
+          <p:nvPr/>
+        </p:nvSpPr>
+        <p:spPr>
+          <a:xfrm>
+            <a:off x="8518980" y="5770042"/>
+            <a:ext cx="2414406" cy="344311"/>
+          </a:xfrm>
+          <a:prstGeom prst="rect">
+            <a:avLst/>
+          </a:prstGeom>
+          <a:solidFill>
+            <a:schemeClr val="bg1">
+              <a:lumMod val="95000"/>
+            </a:schemeClr>
+          </a:solidFill>
+          <a:ln w="12700">
+            <a:solidFill>
+              <a:schemeClr val="tx1"/>
+            </a:solidFill>
+            <a:prstDash val="solid"/>
+          </a:ln>
+        </p:spPr>
+        <p:style>
+          <a:lnRef idx="2">
+            <a:schemeClr val="accent1">
+              <a:shade val="50000"/>
+            </a:schemeClr>
+          </a:lnRef>
+          <a:fillRef idx="1">
+            <a:schemeClr val="accent1"/>
+          </a:fillRef>
+          <a:effectRef idx="0">
+            <a:schemeClr val="accent1"/>
+          </a:effectRef>
+          <a:fontRef idx="minor">
+            <a:schemeClr val="lt1"/>
+          </a:fontRef>
+        </p:style>
+        <p:txBody>
+          <a:bodyPr rot="0" spcFirstLastPara="0" vertOverflow="overflow" horzOverflow="overflow" vert="horz" wrap="square" lIns="91440" tIns="45720" rIns="91440" bIns="45720" numCol="1" spcCol="0" rtlCol="0" fromWordArt="0" anchor="ctr" anchorCtr="0" forceAA="0" compatLnSpc="1">
+            <a:prstTxWarp prst="textNoShape">
+              <a:avLst/>
+            </a:prstTxWarp>
+            <a:noAutofit/>
+          </a:bodyPr>
+          <a:lstStyle/>
+          <a:p>
+            <a:pPr algn="ctr"/>
+            <a:r>
+              <a:rPr lang="en-US" smtClean="0">
+                <a:solidFill>
+                  <a:schemeClr val="tx1"/>
+                </a:solidFill>
+              </a:rPr>
+              <a:t>omega.pasco.csv</a:t>
+            </a:r>
+          </a:p>
+        </p:txBody>
+      </p:sp>
+      <p:sp>
+        <p:nvSpPr>
+          <p:cNvPr id="45" name="Snip Single Corner Rectangle 44"/>
+          <p:cNvSpPr/>
+          <p:nvPr/>
+        </p:nvSpPr>
+        <p:spPr>
+          <a:xfrm>
+            <a:off x="7997486" y="4780862"/>
+            <a:ext cx="1564228" cy="323933"/>
+          </a:xfrm>
+          <a:prstGeom prst="snip1Rect">
+            <a:avLst/>
+          </a:prstGeom>
+          <a:solidFill>
+            <a:schemeClr val="bg1">
+              <a:lumMod val="85000"/>
+            </a:schemeClr>
+          </a:solidFill>
+          <a:ln w="12700">
+            <a:solidFill>
+              <a:schemeClr val="tx1"/>
+            </a:solidFill>
+            <a:prstDash val="solid"/>
+          </a:ln>
+        </p:spPr>
+        <p:style>
+          <a:lnRef idx="2">
+            <a:schemeClr val="accent1">
+              <a:shade val="50000"/>
+            </a:schemeClr>
+          </a:lnRef>
+          <a:fillRef idx="1">
+            <a:schemeClr val="accent1"/>
+          </a:fillRef>
+          <a:effectRef idx="0">
+            <a:schemeClr val="accent1"/>
+          </a:effectRef>
+          <a:fontRef idx="minor">
+            <a:schemeClr val="lt1"/>
+          </a:fontRef>
+        </p:style>
+        <p:txBody>
+          <a:bodyPr rot="0" spcFirstLastPara="0" vertOverflow="overflow" horzOverflow="overflow" vert="horz" wrap="square" lIns="91440" tIns="45720" rIns="91440" bIns="45720" numCol="1" spcCol="0" rtlCol="0" fromWordArt="0" anchor="ctr" anchorCtr="0" forceAA="0" compatLnSpc="1">
+            <a:prstTxWarp prst="textNoShape">
+              <a:avLst/>
+            </a:prstTxWarp>
+            <a:noAutofit/>
+          </a:bodyPr>
+          <a:lstStyle/>
+          <a:p>
+            <a:pPr algn="ctr"/>
+            <a:r>
+              <a:rPr lang="en-US" smtClean="0">
+                <a:solidFill>
+                  <a:schemeClr val="tx1"/>
+                </a:solidFill>
+              </a:rPr>
+              <a:t>run2/</a:t>
+            </a:r>
+          </a:p>
+        </p:txBody>
+      </p:sp>
+      <p:sp>
+        <p:nvSpPr>
+          <p:cNvPr id="48" name="Rectangle 47"/>
+          <p:cNvSpPr/>
+          <p:nvPr/>
+        </p:nvSpPr>
+        <p:spPr>
+          <a:xfrm>
+            <a:off x="8518980" y="6269328"/>
+            <a:ext cx="1995652" cy="305768"/>
+          </a:xfrm>
+          <a:prstGeom prst="rect">
+            <a:avLst/>
+          </a:prstGeom>
+          <a:solidFill>
+            <a:schemeClr val="bg1">
+              <a:lumMod val="95000"/>
+            </a:schemeClr>
+          </a:solidFill>
+          <a:ln w="12700">
+            <a:solidFill>
+              <a:schemeClr val="tx1"/>
+            </a:solidFill>
+            <a:prstDash val="solid"/>
+          </a:ln>
+        </p:spPr>
+        <p:style>
+          <a:lnRef idx="2">
+            <a:schemeClr val="accent1">
+              <a:shade val="50000"/>
+            </a:schemeClr>
+          </a:lnRef>
+          <a:fillRef idx="1">
+            <a:schemeClr val="accent1"/>
+          </a:fillRef>
+          <a:effectRef idx="0">
+            <a:schemeClr val="accent1"/>
+          </a:effectRef>
+          <a:fontRef idx="minor">
+            <a:schemeClr val="lt1"/>
+          </a:fontRef>
+        </p:style>
+        <p:txBody>
+          <a:bodyPr rot="0" spcFirstLastPara="0" vertOverflow="overflow" horzOverflow="overflow" vert="horz" wrap="square" lIns="91440" tIns="45720" rIns="91440" bIns="45720" numCol="1" spcCol="0" rtlCol="0" fromWordArt="0" anchor="ctr" anchorCtr="0" forceAA="0" compatLnSpc="1">
+            <a:prstTxWarp prst="textNoShape">
+              <a:avLst/>
+            </a:prstTxWarp>
+            <a:noAutofit/>
+          </a:bodyPr>
+          <a:lstStyle/>
+          <a:p>
+            <a:pPr algn="ctr"/>
+            <a:r>
+              <a:rPr lang="en-US" smtClean="0">
+                <a:solidFill>
+                  <a:schemeClr val="tx1"/>
+                </a:solidFill>
+              </a:rPr>
+              <a:t>otherfiles.anything</a:t>
+            </a:r>
+          </a:p>
+        </p:txBody>
+      </p:sp>
+    </p:spTree>
+    <p:extLst>
+      <p:ext uri="{BB962C8B-B14F-4D97-AF65-F5344CB8AC3E}">
+        <p14:creationId xmlns:p14="http://schemas.microsoft.com/office/powerpoint/2010/main" val="2195675721"/>
       </p:ext>
     </p:extLst>
   </p:cSld>

--- a/doc/architecture.pptx
+++ b/doc/architecture.pptx
@@ -7,6 +7,8 @@
   <p:sldIdLst>
     <p:sldId id="256" r:id="rId2"/>
     <p:sldId id="257" r:id="rId3"/>
+    <p:sldId id="258" r:id="rId4"/>
+    <p:sldId id="259" r:id="rId5"/>
   </p:sldIdLst>
   <p:sldSz cx="12192000" cy="6858000"/>
   <p:notesSz cx="6858000" cy="9144000"/>
@@ -108,11 +110,6 @@
   <p:extLst>
     <p:ext uri="{EFAFB233-063F-42B5-8137-9DF3F51BA10A}">
       <p15:sldGuideLst xmlns:p15="http://schemas.microsoft.com/office/powerpoint/2012/main">
-        <p15:guide id="1" orient="horz" pos="3634" userDrawn="1">
-          <p15:clr>
-            <a:srgbClr val="A4A3A4"/>
-          </p15:clr>
-        </p15:guide>
         <p15:guide id="2" pos="4316" userDrawn="1">
           <p15:clr>
             <a:srgbClr val="A4A3A4"/>
@@ -305,7 +302,7 @@
           <a:p>
             <a:fld id="{DA0FC897-50FD-42FF-8313-9CC12389D0E4}" type="datetimeFigureOut">
               <a:rPr lang="en-US" smtClean="0"/>
-              <a:t>6/4/2019</a:t>
+              <a:t>6/6/2019</a:t>
             </a:fld>
             <a:endParaRPr lang="en-US"/>
           </a:p>
@@ -475,7 +472,7 @@
           <a:p>
             <a:fld id="{DA0FC897-50FD-42FF-8313-9CC12389D0E4}" type="datetimeFigureOut">
               <a:rPr lang="en-US" smtClean="0"/>
-              <a:t>6/4/2019</a:t>
+              <a:t>6/6/2019</a:t>
             </a:fld>
             <a:endParaRPr lang="en-US"/>
           </a:p>
@@ -655,7 +652,7 @@
           <a:p>
             <a:fld id="{DA0FC897-50FD-42FF-8313-9CC12389D0E4}" type="datetimeFigureOut">
               <a:rPr lang="en-US" smtClean="0"/>
-              <a:t>6/4/2019</a:t>
+              <a:t>6/6/2019</a:t>
             </a:fld>
             <a:endParaRPr lang="en-US"/>
           </a:p>
@@ -825,7 +822,7 @@
           <a:p>
             <a:fld id="{DA0FC897-50FD-42FF-8313-9CC12389D0E4}" type="datetimeFigureOut">
               <a:rPr lang="en-US" smtClean="0"/>
-              <a:t>6/4/2019</a:t>
+              <a:t>6/6/2019</a:t>
             </a:fld>
             <a:endParaRPr lang="en-US"/>
           </a:p>
@@ -1071,7 +1068,7 @@
           <a:p>
             <a:fld id="{DA0FC897-50FD-42FF-8313-9CC12389D0E4}" type="datetimeFigureOut">
               <a:rPr lang="en-US" smtClean="0"/>
-              <a:t>6/4/2019</a:t>
+              <a:t>6/6/2019</a:t>
             </a:fld>
             <a:endParaRPr lang="en-US"/>
           </a:p>
@@ -1359,7 +1356,7 @@
           <a:p>
             <a:fld id="{DA0FC897-50FD-42FF-8313-9CC12389D0E4}" type="datetimeFigureOut">
               <a:rPr lang="en-US" smtClean="0"/>
-              <a:t>6/4/2019</a:t>
+              <a:t>6/6/2019</a:t>
             </a:fld>
             <a:endParaRPr lang="en-US"/>
           </a:p>
@@ -1781,7 +1778,7 @@
           <a:p>
             <a:fld id="{DA0FC897-50FD-42FF-8313-9CC12389D0E4}" type="datetimeFigureOut">
               <a:rPr lang="en-US" smtClean="0"/>
-              <a:t>6/4/2019</a:t>
+              <a:t>6/6/2019</a:t>
             </a:fld>
             <a:endParaRPr lang="en-US"/>
           </a:p>
@@ -1899,7 +1896,7 @@
           <a:p>
             <a:fld id="{DA0FC897-50FD-42FF-8313-9CC12389D0E4}" type="datetimeFigureOut">
               <a:rPr lang="en-US" smtClean="0"/>
-              <a:t>6/4/2019</a:t>
+              <a:t>6/6/2019</a:t>
             </a:fld>
             <a:endParaRPr lang="en-US"/>
           </a:p>
@@ -1994,7 +1991,7 @@
           <a:p>
             <a:fld id="{DA0FC897-50FD-42FF-8313-9CC12389D0E4}" type="datetimeFigureOut">
               <a:rPr lang="en-US" smtClean="0"/>
-              <a:t>6/4/2019</a:t>
+              <a:t>6/6/2019</a:t>
             </a:fld>
             <a:endParaRPr lang="en-US"/>
           </a:p>
@@ -2271,7 +2268,7 @@
           <a:p>
             <a:fld id="{DA0FC897-50FD-42FF-8313-9CC12389D0E4}" type="datetimeFigureOut">
               <a:rPr lang="en-US" smtClean="0"/>
-              <a:t>6/4/2019</a:t>
+              <a:t>6/6/2019</a:t>
             </a:fld>
             <a:endParaRPr lang="en-US"/>
           </a:p>
@@ -2528,7 +2525,7 @@
           <a:p>
             <a:fld id="{DA0FC897-50FD-42FF-8313-9CC12389D0E4}" type="datetimeFigureOut">
               <a:rPr lang="en-US" smtClean="0"/>
-              <a:t>6/4/2019</a:t>
+              <a:t>6/6/2019</a:t>
             </a:fld>
             <a:endParaRPr lang="en-US"/>
           </a:p>
@@ -2741,7 +2738,7 @@
           <a:p>
             <a:fld id="{DA0FC897-50FD-42FF-8313-9CC12389D0E4}" type="datetimeFigureOut">
               <a:rPr lang="en-US" smtClean="0"/>
-              <a:t>6/4/2019</a:t>
+              <a:t>6/6/2019</a:t>
             </a:fld>
             <a:endParaRPr lang="en-US"/>
           </a:p>
@@ -3181,11 +3178,6 @@
                 </a:rPr>
                 <a:t>DataStructures.py</a:t>
               </a:r>
-              <a:endParaRPr lang="en-US" smtClean="0">
-                <a:solidFill>
-                  <a:schemeClr val="tx1"/>
-                </a:solidFill>
-              </a:endParaRPr>
             </a:p>
           </p:txBody>
         </p:sp>
@@ -4431,11 +4423,6 @@
                 </a:rPr>
                 <a:t>DataStructures.py</a:t>
               </a:r>
-              <a:endParaRPr lang="en-US" smtClean="0">
-                <a:solidFill>
-                  <a:schemeClr val="tx1"/>
-                </a:solidFill>
-              </a:endParaRPr>
             </a:p>
           </p:txBody>
         </p:sp>
@@ -5872,6 +5859,807 @@
     <p:extLst>
       <p:ext uri="{BB962C8B-B14F-4D97-AF65-F5344CB8AC3E}">
         <p14:creationId xmlns:p14="http://schemas.microsoft.com/office/powerpoint/2010/main" val="2195675721"/>
+      </p:ext>
+    </p:extLst>
+  </p:cSld>
+  <p:clrMapOvr>
+    <a:masterClrMapping/>
+  </p:clrMapOvr>
+</p:sld>
+</file>
+
+<file path=ppt/slides/slide3.xml><?xml version="1.0" encoding="utf-8"?>
+<p:sld xmlns:a="http://schemas.openxmlformats.org/drawingml/2006/main" xmlns:r="http://schemas.openxmlformats.org/officeDocument/2006/relationships" xmlns:p="http://schemas.openxmlformats.org/presentationml/2006/main">
+  <p:cSld>
+    <p:spTree>
+      <p:nvGrpSpPr>
+        <p:cNvPr id="1" name=""/>
+        <p:cNvGrpSpPr/>
+        <p:nvPr/>
+      </p:nvGrpSpPr>
+      <p:grpSpPr>
+        <a:xfrm>
+          <a:off x="0" y="0"/>
+          <a:ext cx="0" cy="0"/>
+          <a:chOff x="0" y="0"/>
+          <a:chExt cx="0" cy="0"/>
+        </a:xfrm>
+      </p:grpSpPr>
+      <p:grpSp>
+        <p:nvGrpSpPr>
+          <p:cNvPr id="15" name="Group 14"/>
+          <p:cNvGrpSpPr/>
+          <p:nvPr/>
+        </p:nvGrpSpPr>
+        <p:grpSpPr>
+          <a:xfrm>
+            <a:off x="2143250" y="5275811"/>
+            <a:ext cx="2107658" cy="1332807"/>
+            <a:chOff x="4329497" y="3987338"/>
+            <a:chExt cx="2038051" cy="1332807"/>
+          </a:xfrm>
+        </p:grpSpPr>
+        <p:sp>
+          <p:nvSpPr>
+            <p:cNvPr id="9" name="Rectangle 8"/>
+            <p:cNvSpPr/>
+            <p:nvPr/>
+          </p:nvSpPr>
+          <p:spPr>
+            <a:xfrm>
+              <a:off x="4329497" y="3987338"/>
+              <a:ext cx="2038051" cy="459003"/>
+            </a:xfrm>
+            <a:prstGeom prst="rect">
+              <a:avLst/>
+            </a:prstGeom>
+            <a:noFill/>
+            <a:ln w="12700">
+              <a:solidFill>
+                <a:schemeClr val="tx1"/>
+              </a:solidFill>
+              <a:prstDash val="solid"/>
+            </a:ln>
+          </p:spPr>
+          <p:style>
+            <a:lnRef idx="2">
+              <a:schemeClr val="accent1">
+                <a:shade val="50000"/>
+              </a:schemeClr>
+            </a:lnRef>
+            <a:fillRef idx="1">
+              <a:schemeClr val="accent1"/>
+            </a:fillRef>
+            <a:effectRef idx="0">
+              <a:schemeClr val="accent1"/>
+            </a:effectRef>
+            <a:fontRef idx="minor">
+              <a:schemeClr val="lt1"/>
+            </a:fontRef>
+          </p:style>
+          <p:txBody>
+            <a:bodyPr rtlCol="0" anchor="ctr"/>
+            <a:lstStyle/>
+            <a:p>
+              <a:pPr algn="ctr"/>
+              <a:r>
+                <a:rPr lang="en-US" smtClean="0">
+                  <a:solidFill>
+                    <a:schemeClr val="tx1"/>
+                  </a:solidFill>
+                </a:rPr>
+                <a:t>DataStructures.py</a:t>
+              </a:r>
+            </a:p>
+          </p:txBody>
+        </p:sp>
+        <p:sp>
+          <p:nvSpPr>
+            <p:cNvPr id="11" name="Rectangle 10"/>
+            <p:cNvSpPr/>
+            <p:nvPr/>
+          </p:nvSpPr>
+          <p:spPr>
+            <a:xfrm>
+              <a:off x="4329497" y="4449794"/>
+              <a:ext cx="2038051" cy="870351"/>
+            </a:xfrm>
+            <a:prstGeom prst="rect">
+              <a:avLst/>
+            </a:prstGeom>
+            <a:noFill/>
+            <a:ln w="12700">
+              <a:solidFill>
+                <a:schemeClr val="tx1"/>
+              </a:solidFill>
+              <a:prstDash val="solid"/>
+            </a:ln>
+          </p:spPr>
+          <p:style>
+            <a:lnRef idx="2">
+              <a:schemeClr val="accent1">
+                <a:shade val="50000"/>
+              </a:schemeClr>
+            </a:lnRef>
+            <a:fillRef idx="1">
+              <a:schemeClr val="accent1"/>
+            </a:fillRef>
+            <a:effectRef idx="0">
+              <a:schemeClr val="accent1"/>
+            </a:effectRef>
+            <a:fontRef idx="minor">
+              <a:schemeClr val="lt1"/>
+            </a:fontRef>
+          </p:style>
+          <p:txBody>
+            <a:bodyPr rot="0" spcFirstLastPara="0" vertOverflow="overflow" horzOverflow="overflow" vert="horz" wrap="square" lIns="91440" tIns="45720" rIns="91440" bIns="45720" numCol="1" spcCol="0" rtlCol="0" fromWordArt="0" anchor="ctr" anchorCtr="0" forceAA="0" compatLnSpc="1">
+              <a:prstTxWarp prst="textNoShape">
+                <a:avLst/>
+              </a:prstTxWarp>
+              <a:noAutofit/>
+            </a:bodyPr>
+            <a:lstStyle/>
+            <a:p>
+              <a:pPr algn="ctr"/>
+              <a:endParaRPr lang="en-US" smtClean="0">
+                <a:solidFill>
+                  <a:schemeClr val="tx1"/>
+                </a:solidFill>
+              </a:endParaRPr>
+            </a:p>
+          </p:txBody>
+        </p:sp>
+        <p:sp>
+          <p:nvSpPr>
+            <p:cNvPr id="13" name="TextBox 12"/>
+            <p:cNvSpPr txBox="1"/>
+            <p:nvPr/>
+          </p:nvSpPr>
+          <p:spPr>
+            <a:xfrm>
+              <a:off x="4453950" y="4561803"/>
+              <a:ext cx="1789144" cy="646331"/>
+            </a:xfrm>
+            <a:prstGeom prst="rect">
+              <a:avLst/>
+            </a:prstGeom>
+            <a:noFill/>
+          </p:spPr>
+          <p:txBody>
+            <a:bodyPr wrap="none" rtlCol="0">
+              <a:spAutoFit/>
+            </a:bodyPr>
+            <a:lstStyle/>
+            <a:p>
+              <a:r>
+                <a:rPr lang="en-US" smtClean="0"/>
+                <a:t>class AccelData;</a:t>
+              </a:r>
+            </a:p>
+            <a:p>
+              <a:r>
+                <a:rPr lang="en-US" smtClean="0"/>
+                <a:t>class RotaryData;</a:t>
+              </a:r>
+              <a:endParaRPr lang="en-US"/>
+            </a:p>
+          </p:txBody>
+        </p:sp>
+      </p:grpSp>
+      <p:sp>
+        <p:nvSpPr>
+          <p:cNvPr id="16" name="Rectangle 15"/>
+          <p:cNvSpPr/>
+          <p:nvPr/>
+        </p:nvSpPr>
+        <p:spPr>
+          <a:xfrm>
+            <a:off x="1390517" y="3956857"/>
+            <a:ext cx="1348095" cy="332510"/>
+          </a:xfrm>
+          <a:prstGeom prst="rect">
+            <a:avLst/>
+          </a:prstGeom>
+          <a:noFill/>
+          <a:ln w="12700">
+            <a:solidFill>
+              <a:schemeClr val="tx1"/>
+            </a:solidFill>
+            <a:prstDash val="solid"/>
+          </a:ln>
+        </p:spPr>
+        <p:style>
+          <a:lnRef idx="2">
+            <a:schemeClr val="accent1">
+              <a:shade val="50000"/>
+            </a:schemeClr>
+          </a:lnRef>
+          <a:fillRef idx="1">
+            <a:schemeClr val="accent1"/>
+          </a:fillRef>
+          <a:effectRef idx="0">
+            <a:schemeClr val="accent1"/>
+          </a:effectRef>
+          <a:fontRef idx="minor">
+            <a:schemeClr val="lt1"/>
+          </a:fontRef>
+        </p:style>
+        <p:txBody>
+          <a:bodyPr rot="0" spcFirstLastPara="0" vertOverflow="overflow" horzOverflow="overflow" vert="horz" wrap="square" lIns="91440" tIns="45720" rIns="91440" bIns="45720" numCol="1" spcCol="0" rtlCol="0" fromWordArt="0" anchor="ctr" anchorCtr="0" forceAA="0" compatLnSpc="1">
+            <a:prstTxWarp prst="textNoShape">
+              <a:avLst/>
+            </a:prstTxWarp>
+            <a:noAutofit/>
+          </a:bodyPr>
+          <a:lstStyle/>
+          <a:p>
+            <a:pPr algn="ctr"/>
+            <a:r>
+              <a:rPr lang="en-US" smtClean="0">
+                <a:solidFill>
+                  <a:schemeClr val="tx1"/>
+                </a:solidFill>
+              </a:rPr>
+              <a:t>Load.py</a:t>
+            </a:r>
+          </a:p>
+        </p:txBody>
+      </p:sp>
+      <p:sp>
+        <p:nvSpPr>
+          <p:cNvPr id="17" name="Rectangle 16"/>
+          <p:cNvSpPr/>
+          <p:nvPr/>
+        </p:nvSpPr>
+        <p:spPr>
+          <a:xfrm>
+            <a:off x="3597308" y="3956857"/>
+            <a:ext cx="1307201" cy="332510"/>
+          </a:xfrm>
+          <a:prstGeom prst="rect">
+            <a:avLst/>
+          </a:prstGeom>
+          <a:noFill/>
+          <a:ln w="12700">
+            <a:solidFill>
+              <a:schemeClr val="tx1"/>
+            </a:solidFill>
+            <a:prstDash val="solid"/>
+          </a:ln>
+        </p:spPr>
+        <p:style>
+          <a:lnRef idx="2">
+            <a:schemeClr val="accent1">
+              <a:shade val="50000"/>
+            </a:schemeClr>
+          </a:lnRef>
+          <a:fillRef idx="1">
+            <a:schemeClr val="accent1"/>
+          </a:fillRef>
+          <a:effectRef idx="0">
+            <a:schemeClr val="accent1"/>
+          </a:effectRef>
+          <a:fontRef idx="minor">
+            <a:schemeClr val="lt1"/>
+          </a:fontRef>
+        </p:style>
+        <p:txBody>
+          <a:bodyPr rot="0" spcFirstLastPara="0" vertOverflow="overflow" horzOverflow="overflow" vert="horz" wrap="square" lIns="91440" tIns="45720" rIns="91440" bIns="45720" numCol="1" spcCol="0" rtlCol="0" fromWordArt="0" anchor="ctr" anchorCtr="0" forceAA="0" compatLnSpc="1">
+            <a:prstTxWarp prst="textNoShape">
+              <a:avLst/>
+            </a:prstTxWarp>
+            <a:noAutofit/>
+          </a:bodyPr>
+          <a:lstStyle/>
+          <a:p>
+            <a:pPr algn="ctr"/>
+            <a:r>
+              <a:rPr lang="en-US" smtClean="0">
+                <a:solidFill>
+                  <a:schemeClr val="tx1"/>
+                </a:solidFill>
+              </a:rPr>
+              <a:t>Plot.py</a:t>
+            </a:r>
+          </a:p>
+        </p:txBody>
+      </p:sp>
+      <p:cxnSp>
+        <p:nvCxnSpPr>
+          <p:cNvPr id="19" name="Straight Arrow Connector 18"/>
+          <p:cNvCxnSpPr/>
+          <p:nvPr/>
+        </p:nvCxnSpPr>
+        <p:spPr>
+          <a:xfrm>
+            <a:off x="2527069" y="4289367"/>
+            <a:ext cx="8313" cy="982991"/>
+          </a:xfrm>
+          <a:prstGeom prst="straightConnector1">
+            <a:avLst/>
+          </a:prstGeom>
+          <a:ln w="12700">
+            <a:solidFill>
+              <a:schemeClr val="tx1"/>
+            </a:solidFill>
+            <a:prstDash val="solid"/>
+            <a:tailEnd type="triangle" w="lg" len="lg"/>
+          </a:ln>
+        </p:spPr>
+        <p:style>
+          <a:lnRef idx="1">
+            <a:schemeClr val="accent1"/>
+          </a:lnRef>
+          <a:fillRef idx="0">
+            <a:schemeClr val="accent1"/>
+          </a:fillRef>
+          <a:effectRef idx="0">
+            <a:schemeClr val="accent1"/>
+          </a:effectRef>
+          <a:fontRef idx="minor">
+            <a:schemeClr val="tx1"/>
+          </a:fontRef>
+        </p:style>
+      </p:cxnSp>
+      <p:cxnSp>
+        <p:nvCxnSpPr>
+          <p:cNvPr id="21" name="Straight Arrow Connector 20"/>
+          <p:cNvCxnSpPr/>
+          <p:nvPr/>
+        </p:nvCxnSpPr>
+        <p:spPr>
+          <a:xfrm>
+            <a:off x="3883477" y="4289367"/>
+            <a:ext cx="8313" cy="982991"/>
+          </a:xfrm>
+          <a:prstGeom prst="straightConnector1">
+            <a:avLst/>
+          </a:prstGeom>
+          <a:ln w="12700">
+            <a:solidFill>
+              <a:schemeClr val="tx1"/>
+            </a:solidFill>
+            <a:prstDash val="solid"/>
+            <a:tailEnd type="triangle" w="lg" len="lg"/>
+          </a:ln>
+        </p:spPr>
+        <p:style>
+          <a:lnRef idx="1">
+            <a:schemeClr val="accent1"/>
+          </a:lnRef>
+          <a:fillRef idx="0">
+            <a:schemeClr val="accent1"/>
+          </a:fillRef>
+          <a:effectRef idx="0">
+            <a:schemeClr val="accent1"/>
+          </a:effectRef>
+          <a:fontRef idx="minor">
+            <a:schemeClr val="tx1"/>
+          </a:fontRef>
+        </p:style>
+      </p:cxnSp>
+      <p:sp>
+        <p:nvSpPr>
+          <p:cNvPr id="23" name="Rectangle 22"/>
+          <p:cNvSpPr/>
+          <p:nvPr/>
+        </p:nvSpPr>
+        <p:spPr>
+          <a:xfrm>
+            <a:off x="2390815" y="2729343"/>
+            <a:ext cx="1655668" cy="347109"/>
+          </a:xfrm>
+          <a:prstGeom prst="rect">
+            <a:avLst/>
+          </a:prstGeom>
+          <a:noFill/>
+          <a:ln w="12700">
+            <a:solidFill>
+              <a:schemeClr val="tx1"/>
+            </a:solidFill>
+            <a:prstDash val="solid"/>
+          </a:ln>
+        </p:spPr>
+        <p:style>
+          <a:lnRef idx="2">
+            <a:schemeClr val="accent1">
+              <a:shade val="50000"/>
+            </a:schemeClr>
+          </a:lnRef>
+          <a:fillRef idx="1">
+            <a:schemeClr val="accent1"/>
+          </a:fillRef>
+          <a:effectRef idx="0">
+            <a:schemeClr val="accent1"/>
+          </a:effectRef>
+          <a:fontRef idx="minor">
+            <a:schemeClr val="lt1"/>
+          </a:fontRef>
+        </p:style>
+        <p:txBody>
+          <a:bodyPr rot="0" spcFirstLastPara="0" vertOverflow="overflow" horzOverflow="overflow" vert="horz" wrap="square" lIns="91440" tIns="45720" rIns="91440" bIns="45720" numCol="1" spcCol="0" rtlCol="0" fromWordArt="0" anchor="ctr" anchorCtr="0" forceAA="0" compatLnSpc="1">
+            <a:prstTxWarp prst="textNoShape">
+              <a:avLst/>
+            </a:prstTxWarp>
+            <a:noAutofit/>
+          </a:bodyPr>
+          <a:lstStyle/>
+          <a:p>
+            <a:pPr algn="ctr"/>
+            <a:r>
+              <a:rPr lang="en-US" smtClean="0">
+                <a:solidFill>
+                  <a:schemeClr val="tx1"/>
+                </a:solidFill>
+              </a:rPr>
+              <a:t>SpikeTracker.py</a:t>
+            </a:r>
+            <a:endParaRPr lang="en-US" smtClean="0">
+              <a:solidFill>
+                <a:schemeClr val="tx1"/>
+              </a:solidFill>
+            </a:endParaRPr>
+          </a:p>
+        </p:txBody>
+      </p:sp>
+      <p:cxnSp>
+        <p:nvCxnSpPr>
+          <p:cNvPr id="24" name="Straight Arrow Connector 23"/>
+          <p:cNvCxnSpPr>
+            <a:endCxn id="9" idx="0"/>
+          </p:cNvCxnSpPr>
+          <p:nvPr/>
+        </p:nvCxnSpPr>
+        <p:spPr>
+          <a:xfrm>
+            <a:off x="3162275" y="3309146"/>
+            <a:ext cx="1" cy="1966665"/>
+          </a:xfrm>
+          <a:prstGeom prst="straightConnector1">
+            <a:avLst/>
+          </a:prstGeom>
+          <a:ln w="12700">
+            <a:solidFill>
+              <a:schemeClr val="tx1"/>
+            </a:solidFill>
+            <a:prstDash val="solid"/>
+            <a:tailEnd type="triangle" w="lg" len="lg"/>
+          </a:ln>
+        </p:spPr>
+        <p:style>
+          <a:lnRef idx="1">
+            <a:schemeClr val="accent1"/>
+          </a:lnRef>
+          <a:fillRef idx="0">
+            <a:schemeClr val="accent1"/>
+          </a:fillRef>
+          <a:effectRef idx="0">
+            <a:schemeClr val="accent1"/>
+          </a:effectRef>
+          <a:fontRef idx="minor">
+            <a:schemeClr val="tx1"/>
+          </a:fontRef>
+        </p:style>
+      </p:cxnSp>
+      <p:sp>
+        <p:nvSpPr>
+          <p:cNvPr id="34" name="TextBox 33"/>
+          <p:cNvSpPr txBox="1"/>
+          <p:nvPr/>
+        </p:nvSpPr>
+        <p:spPr>
+          <a:xfrm>
+            <a:off x="1622496" y="407945"/>
+            <a:ext cx="2628412" cy="369332"/>
+          </a:xfrm>
+          <a:prstGeom prst="rect">
+            <a:avLst/>
+          </a:prstGeom>
+          <a:noFill/>
+        </p:spPr>
+        <p:txBody>
+          <a:bodyPr wrap="none" rtlCol="0">
+            <a:spAutoFit/>
+          </a:bodyPr>
+          <a:lstStyle/>
+          <a:p>
+            <a:r>
+              <a:rPr lang="en-US" u="sng" smtClean="0"/>
+              <a:t>component dependencies</a:t>
+            </a:r>
+            <a:endParaRPr lang="en-US" u="sng"/>
+          </a:p>
+        </p:txBody>
+      </p:sp>
+      <p:sp>
+        <p:nvSpPr>
+          <p:cNvPr id="36" name="TextBox 35"/>
+          <p:cNvSpPr txBox="1"/>
+          <p:nvPr/>
+        </p:nvSpPr>
+        <p:spPr>
+          <a:xfrm>
+            <a:off x="163899" y="38613"/>
+            <a:ext cx="1226618" cy="369332"/>
+          </a:xfrm>
+          <a:prstGeom prst="rect">
+            <a:avLst/>
+          </a:prstGeom>
+          <a:noFill/>
+        </p:spPr>
+        <p:txBody>
+          <a:bodyPr wrap="none" rtlCol="0">
+            <a:spAutoFit/>
+          </a:bodyPr>
+          <a:lstStyle/>
+          <a:p>
+            <a:r>
+              <a:rPr lang="en-US" smtClean="0"/>
+              <a:t>2019 06 </a:t>
+            </a:r>
+            <a:r>
+              <a:rPr lang="en-US" smtClean="0"/>
+              <a:t>06</a:t>
+            </a:r>
+            <a:endParaRPr lang="en-US"/>
+          </a:p>
+        </p:txBody>
+      </p:sp>
+      <p:sp>
+        <p:nvSpPr>
+          <p:cNvPr id="37" name="Rectangle 36"/>
+          <p:cNvSpPr/>
+          <p:nvPr/>
+        </p:nvSpPr>
+        <p:spPr>
+          <a:xfrm>
+            <a:off x="1288973" y="1499391"/>
+            <a:ext cx="3844887" cy="396213"/>
+          </a:xfrm>
+          <a:prstGeom prst="rect">
+            <a:avLst/>
+          </a:prstGeom>
+          <a:noFill/>
+          <a:ln w="12700">
+            <a:solidFill>
+              <a:schemeClr val="tx1"/>
+            </a:solidFill>
+            <a:prstDash val="solid"/>
+          </a:ln>
+        </p:spPr>
+        <p:style>
+          <a:lnRef idx="2">
+            <a:schemeClr val="accent1">
+              <a:shade val="50000"/>
+            </a:schemeClr>
+          </a:lnRef>
+          <a:fillRef idx="1">
+            <a:schemeClr val="accent1"/>
+          </a:fillRef>
+          <a:effectRef idx="0">
+            <a:schemeClr val="accent1"/>
+          </a:effectRef>
+          <a:fontRef idx="minor">
+            <a:schemeClr val="lt1"/>
+          </a:fontRef>
+        </p:style>
+        <p:txBody>
+          <a:bodyPr rot="0" spcFirstLastPara="0" vertOverflow="overflow" horzOverflow="overflow" vert="horz" wrap="square" lIns="91440" tIns="45720" rIns="91440" bIns="45720" numCol="1" spcCol="0" rtlCol="0" fromWordArt="0" anchor="ctr" anchorCtr="0" forceAA="0" compatLnSpc="1">
+            <a:prstTxWarp prst="textNoShape">
+              <a:avLst/>
+            </a:prstTxWarp>
+            <a:noAutofit/>
+          </a:bodyPr>
+          <a:lstStyle/>
+          <a:p>
+            <a:pPr algn="ctr"/>
+            <a:r>
+              <a:rPr lang="en-US" smtClean="0">
+                <a:solidFill>
+                  <a:schemeClr val="tx1"/>
+                </a:solidFill>
+              </a:rPr>
+              <a:t>TestSpikeTracker</a:t>
+            </a:r>
+            <a:r>
+              <a:rPr lang="en-US" smtClean="0">
+                <a:solidFill>
+                  <a:schemeClr val="tx1"/>
+                </a:solidFill>
+              </a:rPr>
+              <a:t>.py</a:t>
+            </a:r>
+            <a:endParaRPr lang="en-US" smtClean="0">
+              <a:solidFill>
+                <a:schemeClr val="tx1"/>
+              </a:solidFill>
+            </a:endParaRPr>
+          </a:p>
+        </p:txBody>
+      </p:sp>
+      <p:cxnSp>
+        <p:nvCxnSpPr>
+          <p:cNvPr id="40" name="Straight Arrow Connector 39"/>
+          <p:cNvCxnSpPr/>
+          <p:nvPr/>
+        </p:nvCxnSpPr>
+        <p:spPr>
+          <a:xfrm>
+            <a:off x="4364734" y="1895604"/>
+            <a:ext cx="16815" cy="2058607"/>
+          </a:xfrm>
+          <a:prstGeom prst="straightConnector1">
+            <a:avLst/>
+          </a:prstGeom>
+          <a:ln w="12700">
+            <a:solidFill>
+              <a:schemeClr val="tx1"/>
+            </a:solidFill>
+            <a:prstDash val="solid"/>
+            <a:tailEnd type="triangle" w="lg" len="lg"/>
+          </a:ln>
+        </p:spPr>
+        <p:style>
+          <a:lnRef idx="1">
+            <a:schemeClr val="accent1"/>
+          </a:lnRef>
+          <a:fillRef idx="0">
+            <a:schemeClr val="accent1"/>
+          </a:fillRef>
+          <a:effectRef idx="0">
+            <a:schemeClr val="accent1"/>
+          </a:effectRef>
+          <a:fontRef idx="minor">
+            <a:schemeClr val="tx1"/>
+          </a:fontRef>
+        </p:style>
+      </p:cxnSp>
+      <p:cxnSp>
+        <p:nvCxnSpPr>
+          <p:cNvPr id="42" name="Straight Arrow Connector 41"/>
+          <p:cNvCxnSpPr/>
+          <p:nvPr/>
+        </p:nvCxnSpPr>
+        <p:spPr>
+          <a:xfrm>
+            <a:off x="1873973" y="1895603"/>
+            <a:ext cx="16815" cy="2058607"/>
+          </a:xfrm>
+          <a:prstGeom prst="straightConnector1">
+            <a:avLst/>
+          </a:prstGeom>
+          <a:ln w="12700">
+            <a:solidFill>
+              <a:schemeClr val="tx1"/>
+            </a:solidFill>
+            <a:prstDash val="solid"/>
+            <a:tailEnd type="triangle" w="lg" len="lg"/>
+          </a:ln>
+        </p:spPr>
+        <p:style>
+          <a:lnRef idx="1">
+            <a:schemeClr val="accent1"/>
+          </a:lnRef>
+          <a:fillRef idx="0">
+            <a:schemeClr val="accent1"/>
+          </a:fillRef>
+          <a:effectRef idx="0">
+            <a:schemeClr val="accent1"/>
+          </a:effectRef>
+          <a:fontRef idx="minor">
+            <a:schemeClr val="tx1"/>
+          </a:fontRef>
+        </p:style>
+      </p:cxnSp>
+      <p:cxnSp>
+        <p:nvCxnSpPr>
+          <p:cNvPr id="43" name="Straight Arrow Connector 42"/>
+          <p:cNvCxnSpPr/>
+          <p:nvPr/>
+        </p:nvCxnSpPr>
+        <p:spPr>
+          <a:xfrm>
+            <a:off x="3077428" y="1910202"/>
+            <a:ext cx="11019" cy="833740"/>
+          </a:xfrm>
+          <a:prstGeom prst="straightConnector1">
+            <a:avLst/>
+          </a:prstGeom>
+          <a:ln w="12700">
+            <a:solidFill>
+              <a:schemeClr val="tx1"/>
+            </a:solidFill>
+            <a:prstDash val="solid"/>
+            <a:tailEnd type="triangle" w="lg" len="lg"/>
+          </a:ln>
+        </p:spPr>
+        <p:style>
+          <a:lnRef idx="1">
+            <a:schemeClr val="accent1"/>
+          </a:lnRef>
+          <a:fillRef idx="0">
+            <a:schemeClr val="accent1"/>
+          </a:fillRef>
+          <a:effectRef idx="0">
+            <a:schemeClr val="accent1"/>
+          </a:effectRef>
+          <a:fontRef idx="minor">
+            <a:schemeClr val="tx1"/>
+          </a:fontRef>
+        </p:style>
+      </p:cxnSp>
+    </p:spTree>
+    <p:extLst>
+      <p:ext uri="{BB962C8B-B14F-4D97-AF65-F5344CB8AC3E}">
+        <p14:creationId xmlns:p14="http://schemas.microsoft.com/office/powerpoint/2010/main" val="2077775917"/>
+      </p:ext>
+    </p:extLst>
+  </p:cSld>
+  <p:clrMapOvr>
+    <a:masterClrMapping/>
+  </p:clrMapOvr>
+</p:sld>
+</file>
+
+<file path=ppt/slides/slide4.xml><?xml version="1.0" encoding="utf-8"?>
+<p:sld xmlns:a="http://schemas.openxmlformats.org/drawingml/2006/main" xmlns:r="http://schemas.openxmlformats.org/officeDocument/2006/relationships" xmlns:p="http://schemas.openxmlformats.org/presentationml/2006/main">
+  <p:cSld>
+    <p:spTree>
+      <p:nvGrpSpPr>
+        <p:cNvPr id="1" name=""/>
+        <p:cNvGrpSpPr/>
+        <p:nvPr/>
+      </p:nvGrpSpPr>
+      <p:grpSpPr>
+        <a:xfrm>
+          <a:off x="0" y="0"/>
+          <a:ext cx="0" cy="0"/>
+          <a:chOff x="0" y="0"/>
+          <a:chExt cx="0" cy="0"/>
+        </a:xfrm>
+      </p:grpSpPr>
+      <p:sp>
+        <p:nvSpPr>
+          <p:cNvPr id="2" name="Title 1"/>
+          <p:cNvSpPr>
+            <a:spLocks noGrp="1"/>
+          </p:cNvSpPr>
+          <p:nvPr>
+            <p:ph type="title"/>
+          </p:nvPr>
+        </p:nvSpPr>
+        <p:spPr/>
+        <p:txBody>
+          <a:bodyPr/>
+          <a:lstStyle/>
+          <a:p>
+            <a:endParaRPr lang="en-US"/>
+          </a:p>
+        </p:txBody>
+      </p:sp>
+      <p:sp>
+        <p:nvSpPr>
+          <p:cNvPr id="3" name="Content Placeholder 2"/>
+          <p:cNvSpPr>
+            <a:spLocks noGrp="1"/>
+          </p:cNvSpPr>
+          <p:nvPr>
+            <p:ph idx="1"/>
+          </p:nvPr>
+        </p:nvSpPr>
+        <p:spPr/>
+        <p:txBody>
+          <a:bodyPr/>
+          <a:lstStyle/>
+          <a:p>
+            <a:endParaRPr lang="en-US"/>
+          </a:p>
+        </p:txBody>
+      </p:sp>
+    </p:spTree>
+    <p:extLst>
+      <p:ext uri="{BB962C8B-B14F-4D97-AF65-F5344CB8AC3E}">
+        <p14:creationId xmlns:p14="http://schemas.microsoft.com/office/powerpoint/2010/main" val="3458802323"/>
       </p:ext>
     </p:extLst>
   </p:cSld>
